--- a/PLKA.pptx
+++ b/PLKA.pptx
@@ -5,7 +5,7 @@
     <p:sldMasterId id="2147483648" r:id="rId1"/>
   </p:sldMasterIdLst>
   <p:notesMasterIdLst>
-    <p:notesMasterId r:id="rId59"/>
+    <p:notesMasterId r:id="rId72"/>
   </p:notesMasterIdLst>
   <p:sldIdLst>
     <p:sldId id="256" r:id="rId2"/>
@@ -65,6 +65,19 @@
     <p:sldId id="310" r:id="rId56"/>
     <p:sldId id="311" r:id="rId57"/>
     <p:sldId id="312" r:id="rId58"/>
+    <p:sldId id="314" r:id="rId59"/>
+    <p:sldId id="315" r:id="rId60"/>
+    <p:sldId id="316" r:id="rId61"/>
+    <p:sldId id="317" r:id="rId62"/>
+    <p:sldId id="318" r:id="rId63"/>
+    <p:sldId id="319" r:id="rId64"/>
+    <p:sldId id="320" r:id="rId65"/>
+    <p:sldId id="321" r:id="rId66"/>
+    <p:sldId id="322" r:id="rId67"/>
+    <p:sldId id="323" r:id="rId68"/>
+    <p:sldId id="324" r:id="rId69"/>
+    <p:sldId id="325" r:id="rId70"/>
+    <p:sldId id="326" r:id="rId71"/>
   </p:sldIdLst>
   <p:sldSz cx="9144000" cy="6858000" type="screen4x3"/>
   <p:notesSz cx="6858000" cy="9144000"/>
@@ -249,7 +262,7 @@
             <a:fld id="{F2297ED8-7890-4D1D-8449-CEAA90431818}" type="datetimeFigureOut">
               <a:rPr lang="en-US" smtClean="0"/>
               <a:pPr/>
-              <a:t>7/14/2013</a:t>
+              <a:t>7/15/2013</a:t>
             </a:fld>
             <a:endParaRPr lang="en-US"/>
           </a:p>
@@ -515,6 +528,334 @@
 </p:notesMaster>
 </file>
 
+<file path=ppt/notesSlides/notesSlide1.xml><?xml version="1.0" encoding="utf-8"?>
+<p:notes xmlns:a="http://schemas.openxmlformats.org/drawingml/2006/main" xmlns:r="http://schemas.openxmlformats.org/officeDocument/2006/relationships" xmlns:p="http://schemas.openxmlformats.org/presentationml/2006/main">
+  <p:cSld>
+    <p:spTree>
+      <p:nvGrpSpPr>
+        <p:cNvPr id="1" name=""/>
+        <p:cNvGrpSpPr/>
+        <p:nvPr/>
+      </p:nvGrpSpPr>
+      <p:grpSpPr>
+        <a:xfrm>
+          <a:off x="0" y="0"/>
+          <a:ext cx="0" cy="0"/>
+          <a:chOff x="0" y="0"/>
+          <a:chExt cx="0" cy="0"/>
+        </a:xfrm>
+      </p:grpSpPr>
+      <p:sp>
+        <p:nvSpPr>
+          <p:cNvPr id="2" name="Slide Image Placeholder 1"/>
+          <p:cNvSpPr>
+            <a:spLocks noGrp="1" noRot="1" noChangeAspect="1"/>
+          </p:cNvSpPr>
+          <p:nvPr>
+            <p:ph type="sldImg"/>
+          </p:nvPr>
+        </p:nvSpPr>
+        <p:spPr/>
+      </p:sp>
+      <p:sp>
+        <p:nvSpPr>
+          <p:cNvPr id="3" name="Notes Placeholder 2"/>
+          <p:cNvSpPr>
+            <a:spLocks noGrp="1"/>
+          </p:cNvSpPr>
+          <p:nvPr>
+            <p:ph type="body" idx="1"/>
+          </p:nvPr>
+        </p:nvSpPr>
+        <p:spPr/>
+        <p:txBody>
+          <a:bodyPr>
+            <a:normAutofit/>
+          </a:bodyPr>
+          <a:lstStyle/>
+          <a:p>
+            <a:endParaRPr lang="en-US" dirty="0"/>
+          </a:p>
+        </p:txBody>
+      </p:sp>
+      <p:sp>
+        <p:nvSpPr>
+          <p:cNvPr id="4" name="Slide Number Placeholder 3"/>
+          <p:cNvSpPr>
+            <a:spLocks noGrp="1"/>
+          </p:cNvSpPr>
+          <p:nvPr>
+            <p:ph type="sldNum" sz="quarter" idx="10"/>
+          </p:nvPr>
+        </p:nvSpPr>
+        <p:spPr/>
+        <p:txBody>
+          <a:bodyPr/>
+          <a:lstStyle/>
+          <a:p>
+            <a:fld id="{6EAA0855-5C37-4555-AE25-441975F025CE}" type="slidenum">
+              <a:rPr lang="en-US" smtClean="0"/>
+              <a:pPr/>
+              <a:t>58</a:t>
+            </a:fld>
+            <a:endParaRPr lang="en-US"/>
+          </a:p>
+        </p:txBody>
+      </p:sp>
+    </p:spTree>
+  </p:cSld>
+  <p:clrMapOvr>
+    <a:masterClrMapping/>
+  </p:clrMapOvr>
+</p:notes>
+</file>
+
+<file path=ppt/notesSlides/notesSlide2.xml><?xml version="1.0" encoding="utf-8"?>
+<p:notes xmlns:a="http://schemas.openxmlformats.org/drawingml/2006/main" xmlns:r="http://schemas.openxmlformats.org/officeDocument/2006/relationships" xmlns:p="http://schemas.openxmlformats.org/presentationml/2006/main">
+  <p:cSld>
+    <p:spTree>
+      <p:nvGrpSpPr>
+        <p:cNvPr id="1" name=""/>
+        <p:cNvGrpSpPr/>
+        <p:nvPr/>
+      </p:nvGrpSpPr>
+      <p:grpSpPr>
+        <a:xfrm>
+          <a:off x="0" y="0"/>
+          <a:ext cx="0" cy="0"/>
+          <a:chOff x="0" y="0"/>
+          <a:chExt cx="0" cy="0"/>
+        </a:xfrm>
+      </p:grpSpPr>
+      <p:sp>
+        <p:nvSpPr>
+          <p:cNvPr id="2" name="Slide Image Placeholder 1"/>
+          <p:cNvSpPr>
+            <a:spLocks noGrp="1" noRot="1" noChangeAspect="1"/>
+          </p:cNvSpPr>
+          <p:nvPr>
+            <p:ph type="sldImg"/>
+          </p:nvPr>
+        </p:nvSpPr>
+        <p:spPr/>
+      </p:sp>
+      <p:sp>
+        <p:nvSpPr>
+          <p:cNvPr id="3" name="Notes Placeholder 2"/>
+          <p:cNvSpPr>
+            <a:spLocks noGrp="1"/>
+          </p:cNvSpPr>
+          <p:nvPr>
+            <p:ph type="body" idx="1"/>
+          </p:nvPr>
+        </p:nvSpPr>
+        <p:spPr/>
+        <p:txBody>
+          <a:bodyPr>
+            <a:normAutofit/>
+          </a:bodyPr>
+          <a:lstStyle/>
+          <a:p>
+            <a:endParaRPr lang="en-US" dirty="0"/>
+          </a:p>
+        </p:txBody>
+      </p:sp>
+      <p:sp>
+        <p:nvSpPr>
+          <p:cNvPr id="4" name="Slide Number Placeholder 3"/>
+          <p:cNvSpPr>
+            <a:spLocks noGrp="1"/>
+          </p:cNvSpPr>
+          <p:nvPr>
+            <p:ph type="sldNum" sz="quarter" idx="10"/>
+          </p:nvPr>
+        </p:nvSpPr>
+        <p:spPr/>
+        <p:txBody>
+          <a:bodyPr/>
+          <a:lstStyle/>
+          <a:p>
+            <a:fld id="{6EAA0855-5C37-4555-AE25-441975F025CE}" type="slidenum">
+              <a:rPr lang="en-US" smtClean="0"/>
+              <a:pPr/>
+              <a:t>59</a:t>
+            </a:fld>
+            <a:endParaRPr lang="en-US"/>
+          </a:p>
+        </p:txBody>
+      </p:sp>
+    </p:spTree>
+  </p:cSld>
+  <p:clrMapOvr>
+    <a:masterClrMapping/>
+  </p:clrMapOvr>
+</p:notes>
+</file>
+
+<file path=ppt/notesSlides/notesSlide3.xml><?xml version="1.0" encoding="utf-8"?>
+<p:notes xmlns:a="http://schemas.openxmlformats.org/drawingml/2006/main" xmlns:r="http://schemas.openxmlformats.org/officeDocument/2006/relationships" xmlns:p="http://schemas.openxmlformats.org/presentationml/2006/main">
+  <p:cSld>
+    <p:spTree>
+      <p:nvGrpSpPr>
+        <p:cNvPr id="1" name=""/>
+        <p:cNvGrpSpPr/>
+        <p:nvPr/>
+      </p:nvGrpSpPr>
+      <p:grpSpPr>
+        <a:xfrm>
+          <a:off x="0" y="0"/>
+          <a:ext cx="0" cy="0"/>
+          <a:chOff x="0" y="0"/>
+          <a:chExt cx="0" cy="0"/>
+        </a:xfrm>
+      </p:grpSpPr>
+      <p:sp>
+        <p:nvSpPr>
+          <p:cNvPr id="2" name="Slide Image Placeholder 1"/>
+          <p:cNvSpPr>
+            <a:spLocks noGrp="1" noRot="1" noChangeAspect="1"/>
+          </p:cNvSpPr>
+          <p:nvPr>
+            <p:ph type="sldImg"/>
+          </p:nvPr>
+        </p:nvSpPr>
+        <p:spPr/>
+      </p:sp>
+      <p:sp>
+        <p:nvSpPr>
+          <p:cNvPr id="3" name="Notes Placeholder 2"/>
+          <p:cNvSpPr>
+            <a:spLocks noGrp="1"/>
+          </p:cNvSpPr>
+          <p:nvPr>
+            <p:ph type="body" idx="1"/>
+          </p:nvPr>
+        </p:nvSpPr>
+        <p:spPr/>
+        <p:txBody>
+          <a:bodyPr>
+            <a:normAutofit/>
+          </a:bodyPr>
+          <a:lstStyle/>
+          <a:p>
+            <a:endParaRPr lang="en-US" dirty="0"/>
+          </a:p>
+        </p:txBody>
+      </p:sp>
+      <p:sp>
+        <p:nvSpPr>
+          <p:cNvPr id="4" name="Slide Number Placeholder 3"/>
+          <p:cNvSpPr>
+            <a:spLocks noGrp="1"/>
+          </p:cNvSpPr>
+          <p:nvPr>
+            <p:ph type="sldNum" sz="quarter" idx="10"/>
+          </p:nvPr>
+        </p:nvSpPr>
+        <p:spPr/>
+        <p:txBody>
+          <a:bodyPr/>
+          <a:lstStyle/>
+          <a:p>
+            <a:fld id="{6EAA0855-5C37-4555-AE25-441975F025CE}" type="slidenum">
+              <a:rPr lang="en-US" smtClean="0"/>
+              <a:pPr/>
+              <a:t>60</a:t>
+            </a:fld>
+            <a:endParaRPr lang="en-US"/>
+          </a:p>
+        </p:txBody>
+      </p:sp>
+    </p:spTree>
+  </p:cSld>
+  <p:clrMapOvr>
+    <a:masterClrMapping/>
+  </p:clrMapOvr>
+</p:notes>
+</file>
+
+<file path=ppt/notesSlides/notesSlide4.xml><?xml version="1.0" encoding="utf-8"?>
+<p:notes xmlns:a="http://schemas.openxmlformats.org/drawingml/2006/main" xmlns:r="http://schemas.openxmlformats.org/officeDocument/2006/relationships" xmlns:p="http://schemas.openxmlformats.org/presentationml/2006/main">
+  <p:cSld>
+    <p:spTree>
+      <p:nvGrpSpPr>
+        <p:cNvPr id="1" name=""/>
+        <p:cNvGrpSpPr/>
+        <p:nvPr/>
+      </p:nvGrpSpPr>
+      <p:grpSpPr>
+        <a:xfrm>
+          <a:off x="0" y="0"/>
+          <a:ext cx="0" cy="0"/>
+          <a:chOff x="0" y="0"/>
+          <a:chExt cx="0" cy="0"/>
+        </a:xfrm>
+      </p:grpSpPr>
+      <p:sp>
+        <p:nvSpPr>
+          <p:cNvPr id="2" name="Slide Image Placeholder 1"/>
+          <p:cNvSpPr>
+            <a:spLocks noGrp="1" noRot="1" noChangeAspect="1"/>
+          </p:cNvSpPr>
+          <p:nvPr>
+            <p:ph type="sldImg"/>
+          </p:nvPr>
+        </p:nvSpPr>
+        <p:spPr/>
+      </p:sp>
+      <p:sp>
+        <p:nvSpPr>
+          <p:cNvPr id="3" name="Notes Placeholder 2"/>
+          <p:cNvSpPr>
+            <a:spLocks noGrp="1"/>
+          </p:cNvSpPr>
+          <p:nvPr>
+            <p:ph type="body" idx="1"/>
+          </p:nvPr>
+        </p:nvSpPr>
+        <p:spPr/>
+        <p:txBody>
+          <a:bodyPr>
+            <a:normAutofit/>
+          </a:bodyPr>
+          <a:lstStyle/>
+          <a:p>
+            <a:endParaRPr lang="en-US" dirty="0"/>
+          </a:p>
+        </p:txBody>
+      </p:sp>
+      <p:sp>
+        <p:nvSpPr>
+          <p:cNvPr id="4" name="Slide Number Placeholder 3"/>
+          <p:cNvSpPr>
+            <a:spLocks noGrp="1"/>
+          </p:cNvSpPr>
+          <p:nvPr>
+            <p:ph type="sldNum" sz="quarter" idx="10"/>
+          </p:nvPr>
+        </p:nvSpPr>
+        <p:spPr/>
+        <p:txBody>
+          <a:bodyPr/>
+          <a:lstStyle/>
+          <a:p>
+            <a:fld id="{6EAA0855-5C37-4555-AE25-441975F025CE}" type="slidenum">
+              <a:rPr lang="en-US" smtClean="0"/>
+              <a:pPr/>
+              <a:t>61</a:t>
+            </a:fld>
+            <a:endParaRPr lang="en-US"/>
+          </a:p>
+        </p:txBody>
+      </p:sp>
+    </p:spTree>
+  </p:cSld>
+  <p:clrMapOvr>
+    <a:masterClrMapping/>
+  </p:clrMapOvr>
+</p:notes>
+</file>
+
 <file path=ppt/slideLayouts/slideLayout1.xml><?xml version="1.0" encoding="utf-8"?>
 <p:sldLayout xmlns:a="http://schemas.openxmlformats.org/drawingml/2006/main" xmlns:r="http://schemas.openxmlformats.org/officeDocument/2006/relationships" xmlns:p="http://schemas.openxmlformats.org/presentationml/2006/main" type="title" preserve="1">
   <p:cSld name="Title Slide">
@@ -697,7 +1038,7 @@
             <a:fld id="{1D8BD707-D9CF-40AE-B4C6-C98DA3205C09}" type="datetimeFigureOut">
               <a:rPr lang="en-US" smtClean="0"/>
               <a:pPr/>
-              <a:t>7/14/2013</a:t>
+              <a:t>7/15/2013</a:t>
             </a:fld>
             <a:endParaRPr lang="en-US"/>
           </a:p>
@@ -864,7 +1205,7 @@
             <a:fld id="{1D8BD707-D9CF-40AE-B4C6-C98DA3205C09}" type="datetimeFigureOut">
               <a:rPr lang="en-US" smtClean="0"/>
               <a:pPr/>
-              <a:t>7/14/2013</a:t>
+              <a:t>7/15/2013</a:t>
             </a:fld>
             <a:endParaRPr lang="en-US"/>
           </a:p>
@@ -1041,7 +1382,7 @@
             <a:fld id="{1D8BD707-D9CF-40AE-B4C6-C98DA3205C09}" type="datetimeFigureOut">
               <a:rPr lang="en-US" smtClean="0"/>
               <a:pPr/>
-              <a:t>7/14/2013</a:t>
+              <a:t>7/15/2013</a:t>
             </a:fld>
             <a:endParaRPr lang="en-US"/>
           </a:p>
@@ -1208,7 +1549,7 @@
             <a:fld id="{1D8BD707-D9CF-40AE-B4C6-C98DA3205C09}" type="datetimeFigureOut">
               <a:rPr lang="en-US" smtClean="0"/>
               <a:pPr/>
-              <a:t>7/14/2013</a:t>
+              <a:t>7/15/2013</a:t>
             </a:fld>
             <a:endParaRPr lang="en-US"/>
           </a:p>
@@ -1451,7 +1792,7 @@
             <a:fld id="{1D8BD707-D9CF-40AE-B4C6-C98DA3205C09}" type="datetimeFigureOut">
               <a:rPr lang="en-US" smtClean="0"/>
               <a:pPr/>
-              <a:t>7/14/2013</a:t>
+              <a:t>7/15/2013</a:t>
             </a:fld>
             <a:endParaRPr lang="en-US"/>
           </a:p>
@@ -1736,7 +2077,7 @@
             <a:fld id="{1D8BD707-D9CF-40AE-B4C6-C98DA3205C09}" type="datetimeFigureOut">
               <a:rPr lang="en-US" smtClean="0"/>
               <a:pPr/>
-              <a:t>7/14/2013</a:t>
+              <a:t>7/15/2013</a:t>
             </a:fld>
             <a:endParaRPr lang="en-US"/>
           </a:p>
@@ -2155,7 +2496,7 @@
             <a:fld id="{1D8BD707-D9CF-40AE-B4C6-C98DA3205C09}" type="datetimeFigureOut">
               <a:rPr lang="en-US" smtClean="0"/>
               <a:pPr/>
-              <a:t>7/14/2013</a:t>
+              <a:t>7/15/2013</a:t>
             </a:fld>
             <a:endParaRPr lang="en-US"/>
           </a:p>
@@ -2270,7 +2611,7 @@
             <a:fld id="{1D8BD707-D9CF-40AE-B4C6-C98DA3205C09}" type="datetimeFigureOut">
               <a:rPr lang="en-US" smtClean="0"/>
               <a:pPr/>
-              <a:t>7/14/2013</a:t>
+              <a:t>7/15/2013</a:t>
             </a:fld>
             <a:endParaRPr lang="en-US"/>
           </a:p>
@@ -2362,7 +2703,7 @@
             <a:fld id="{1D8BD707-D9CF-40AE-B4C6-C98DA3205C09}" type="datetimeFigureOut">
               <a:rPr lang="en-US" smtClean="0"/>
               <a:pPr/>
-              <a:t>7/14/2013</a:t>
+              <a:t>7/15/2013</a:t>
             </a:fld>
             <a:endParaRPr lang="en-US"/>
           </a:p>
@@ -2636,7 +2977,7 @@
             <a:fld id="{1D8BD707-D9CF-40AE-B4C6-C98DA3205C09}" type="datetimeFigureOut">
               <a:rPr lang="en-US" smtClean="0"/>
               <a:pPr/>
-              <a:t>7/14/2013</a:t>
+              <a:t>7/15/2013</a:t>
             </a:fld>
             <a:endParaRPr lang="en-US"/>
           </a:p>
@@ -2886,7 +3227,7 @@
             <a:fld id="{1D8BD707-D9CF-40AE-B4C6-C98DA3205C09}" type="datetimeFigureOut">
               <a:rPr lang="en-US" smtClean="0"/>
               <a:pPr/>
-              <a:t>7/14/2013</a:t>
+              <a:t>7/15/2013</a:t>
             </a:fld>
             <a:endParaRPr lang="en-US"/>
           </a:p>
@@ -3096,7 +3437,7 @@
             <a:fld id="{1D8BD707-D9CF-40AE-B4C6-C98DA3205C09}" type="datetimeFigureOut">
               <a:rPr lang="en-US" smtClean="0"/>
               <a:pPr/>
-              <a:t>7/14/2013</a:t>
+              <a:t>7/15/2013</a:t>
             </a:fld>
             <a:endParaRPr lang="en-US"/>
           </a:p>
@@ -5032,7 +5373,62 @@
             <a:pPr lvl="1"/>
             <a:r>
               <a:rPr lang="zh-CN" altLang="en-US" sz="2000" dirty="0" smtClean="0"/>
-              <a:t>普通进程总是可能被抢占，甚至是由其它进程抢占</a:t>
+              <a:t>普通进程总是可能被抢占，甚至是由其它进程抢</a:t>
+            </a:r>
+            <a:r>
+              <a:rPr lang="zh-CN" altLang="en-US" sz="2000" dirty="0" smtClean="0"/>
+              <a:t>占</a:t>
+            </a:r>
+            <a:r>
+              <a:rPr lang="en-US" altLang="zh-CN" sz="2000" dirty="0" smtClean="0"/>
+              <a:t/>
+            </a:r>
+            <a:br>
+              <a:rPr lang="en-US" altLang="zh-CN" sz="2000" dirty="0" smtClean="0"/>
+            </a:br>
+            <a:r>
+              <a:rPr lang="zh-CN" altLang="en-US" sz="2000" dirty="0" smtClean="0"/>
+              <a:t>内核可以在适当的时候调用</a:t>
+            </a:r>
+            <a:r>
+              <a:rPr lang="en-US" altLang="zh-CN" sz="2000" dirty="0" smtClean="0"/>
+              <a:t>schedule</a:t>
+            </a:r>
+            <a:r>
+              <a:rPr lang="zh-CN" altLang="en-US" sz="2000" dirty="0" smtClean="0"/>
+              <a:t>或</a:t>
+            </a:r>
+            <a:r>
+              <a:rPr lang="en-US" altLang="zh-CN" sz="2000" dirty="0" err="1" smtClean="0"/>
+              <a:t>schedule_tick</a:t>
+            </a:r>
+            <a:r>
+              <a:rPr lang="zh-CN" altLang="en-US" sz="2000" dirty="0" smtClean="0"/>
+              <a:t>抢占当前正在运行的进程，</a:t>
+            </a:r>
+            <a:r>
+              <a:rPr lang="en-US" altLang="zh-CN" sz="2000" dirty="0" smtClean="0"/>
+              <a:t>(</a:t>
+            </a:r>
+            <a:r>
+              <a:rPr lang="zh-CN" altLang="en-US" sz="2000" dirty="0" smtClean="0"/>
+              <a:t>搜索所有有</a:t>
+            </a:r>
+            <a:r>
+              <a:rPr lang="en-US" altLang="zh-CN" sz="2000" dirty="0" smtClean="0"/>
+              <a:t>__</a:t>
+            </a:r>
+            <a:r>
+              <a:rPr lang="en-US" altLang="zh-CN" sz="2000" dirty="0" err="1" smtClean="0"/>
+              <a:t>sched</a:t>
+            </a:r>
+            <a:r>
+              <a:rPr lang="zh-CN" altLang="en-US" sz="2000" dirty="0" smtClean="0"/>
+              <a:t>标记的函数</a:t>
+            </a:r>
+            <a:r>
+              <a:rPr lang="en-US" altLang="zh-CN" sz="2000" dirty="0" smtClean="0"/>
+              <a:t>)</a:t>
             </a:r>
             <a:endParaRPr lang="en-US" altLang="zh-CN" sz="2000" dirty="0" smtClean="0"/>
           </a:p>
@@ -5056,8 +5452,15 @@
             <a:pPr lvl="1"/>
             <a:r>
               <a:rPr lang="zh-CN" altLang="en-US" sz="2000" dirty="0" smtClean="0"/>
-              <a:t>中断可以暂停处于用户态和核心态的进程。中断具有最高优先级，因为在中断触发后需要尽快处理</a:t>
-            </a:r>
+              <a:t>中断可以暂停处于用户态和核心态的进程。中断具有最高优先级，因为在中断触发后需要尽快处</a:t>
+            </a:r>
+            <a:r>
+              <a:rPr lang="zh-CN" altLang="en-US" sz="2000" dirty="0" smtClean="0"/>
+              <a:t>理</a:t>
+            </a:r>
+          </a:p>
+          <a:p>
+            <a:pPr lvl="1"/>
             <a:endParaRPr lang="en-US" sz="2000" dirty="0"/>
           </a:p>
         </p:txBody>
@@ -6049,7 +6452,31 @@
                   <a:srgbClr val="FF0000"/>
                 </a:solidFill>
               </a:rPr>
-              <a:t>内核如何发信号给进程表明事件已经发生？</a:t>
+              <a:t>内核如何发信号给进程表明事件已经发生</a:t>
+            </a:r>
+            <a:r>
+              <a:rPr lang="zh-CN" altLang="en-US" sz="2000" dirty="0" smtClean="0">
+                <a:solidFill>
+                  <a:srgbClr val="FF0000"/>
+                </a:solidFill>
+              </a:rPr>
+              <a:t>？</a:t>
+            </a:r>
+            <a:r>
+              <a:rPr lang="zh-CN" altLang="en-US" sz="2000" dirty="0" smtClean="0">
+                <a:solidFill>
+                  <a:srgbClr val="FF0000"/>
+                </a:solidFill>
+              </a:rPr>
+              <a:t>通</a:t>
+            </a:r>
+            <a:r>
+              <a:rPr lang="zh-CN" altLang="en-US" sz="2000" dirty="0" smtClean="0">
+                <a:solidFill>
+                  <a:srgbClr val="FF0000"/>
+                </a:solidFill>
+              </a:rPr>
+              <a:t>过设置</a:t>
             </a:r>
             <a:r>
               <a:rPr lang="en-US" altLang="zh-CN" sz="2000" dirty="0" smtClean="0"/>
@@ -10294,11 +10721,7 @@
             <a:pPr lvl="1"/>
             <a:r>
               <a:rPr lang="zh-CN" altLang="en-US" sz="2000" dirty="0" smtClean="0"/>
-              <a:t>首</a:t>
-            </a:r>
-            <a:r>
-              <a:rPr lang="zh-CN" altLang="en-US" sz="2000" dirty="0" smtClean="0"/>
-              <a:t>先打开要执行的文件。内核找到先关的</a:t>
+              <a:t>首先打开要执行的文件。内核找到先关的</a:t>
             </a:r>
             <a:r>
               <a:rPr lang="en-US" altLang="zh-CN" sz="2000" dirty="0" err="1" smtClean="0"/>
@@ -10434,15 +10857,7 @@
                   <a:srgbClr val="FF0000"/>
                 </a:solidFill>
               </a:rPr>
-              <a:t>置</a:t>
-            </a:r>
-            <a:r>
-              <a:rPr lang="zh-CN" altLang="en-US" sz="2000" dirty="0" smtClean="0">
-                <a:solidFill>
-                  <a:srgbClr val="FF0000"/>
-                </a:solidFill>
-              </a:rPr>
-              <a:t>位，那么有效</a:t>
+              <a:t>置位，那么有效</a:t>
             </a:r>
             <a:r>
               <a:rPr lang="en-US" altLang="zh-CN" sz="2000" dirty="0" smtClean="0">
@@ -10742,11 +11157,7 @@
             </a:pPr>
             <a:r>
               <a:rPr lang="zh-CN" altLang="en-US" sz="2400" dirty="0" smtClean="0"/>
-              <a:t>二进</a:t>
-            </a:r>
-            <a:r>
-              <a:rPr lang="zh-CN" altLang="en-US" sz="2400" dirty="0" smtClean="0"/>
-              <a:t>制格式处理程序执行下列操作</a:t>
+              <a:t>二进制格式处理程序执行下列操作</a:t>
             </a:r>
             <a:endParaRPr lang="en-US" altLang="zh-CN" sz="2400" dirty="0" smtClean="0"/>
           </a:p>
@@ -11281,11 +11692,7 @@
             <a:pPr lvl="1"/>
             <a:r>
               <a:rPr lang="zh-CN" altLang="en-US" sz="2000" dirty="0" smtClean="0"/>
-              <a:t>编译</a:t>
-            </a:r>
-            <a:r>
-              <a:rPr lang="zh-CN" altLang="en-US" sz="2000" dirty="0" smtClean="0"/>
-              <a:t>器会在</a:t>
+              <a:t>编译器会在</a:t>
             </a:r>
             <a:r>
               <a:rPr lang="en-US" altLang="zh-CN" sz="2000" dirty="0" smtClean="0"/>
@@ -11456,11 +11863,7 @@
             <a:pPr lvl="1"/>
             <a:r>
               <a:rPr lang="zh-CN" altLang="en-US" sz="2000" dirty="0" smtClean="0"/>
-              <a:t>调度</a:t>
-            </a:r>
-            <a:r>
-              <a:rPr lang="zh-CN" altLang="en-US" sz="2000" dirty="0" smtClean="0"/>
-              <a:t>器分为两个部分：调度策略和上下文切换</a:t>
+              <a:t>调度器分为两个部分：调度策略和上下文切换</a:t>
             </a:r>
             <a:endParaRPr lang="en-US" altLang="zh-CN" sz="2400" dirty="0" smtClean="0"/>
           </a:p>
@@ -11508,11 +11911,7 @@
             <a:pPr lvl="1"/>
             <a:r>
               <a:rPr lang="zh-CN" altLang="en-US" sz="2000" dirty="0" smtClean="0"/>
-              <a:t>虚</a:t>
-            </a:r>
-            <a:r>
-              <a:rPr lang="zh-CN" altLang="en-US" sz="2000" dirty="0" smtClean="0"/>
-              <a:t>拟时钟。该时钟的时间流逝速度慢于实际的时钟，精确的速度依赖于当前等待调度器挑选的进程的数目。假定该队列上有</a:t>
+              <a:t>虚拟时钟。该时钟的时间流逝速度慢于实际的时钟，精确的速度依赖于当前等待调度器挑选的进程的数目。假定该队列上有</a:t>
             </a:r>
             <a:r>
               <a:rPr lang="en-US" altLang="zh-CN" sz="2000" dirty="0" smtClean="0"/>
@@ -11584,11 +11983,7 @@
             <a:pPr lvl="1"/>
             <a:r>
               <a:rPr lang="zh-CN" altLang="en-US" sz="2000" dirty="0" smtClean="0"/>
-              <a:t>假</a:t>
-            </a:r>
-            <a:r>
-              <a:rPr lang="zh-CN" altLang="en-US" sz="2000" dirty="0" smtClean="0"/>
-              <a:t>定就绪队列的虚拟时间由</a:t>
+              <a:t>假定就绪队列的虚拟时间由</a:t>
             </a:r>
             <a:r>
               <a:rPr lang="en-US" altLang="zh-CN" sz="2000" dirty="0" err="1" smtClean="0"/>
@@ -11628,11 +12023,7 @@
             </a:r>
             <a:r>
               <a:rPr lang="zh-CN" altLang="en-US" sz="2000" dirty="0" smtClean="0"/>
-              <a:t>个进程，而一个进程实际上已经等待</a:t>
-            </a:r>
-            <a:r>
-              <a:rPr lang="zh-CN" altLang="en-US" sz="2000" dirty="0" smtClean="0"/>
-              <a:t>了</a:t>
+              <a:t>个进程，而一个进程实际上已经等待了</a:t>
             </a:r>
             <a:r>
               <a:rPr lang="en-US" altLang="zh-CN" sz="2000" dirty="0" smtClean="0"/>
@@ -11803,11 +12194,7 @@
             <a:pPr lvl="1"/>
             <a:r>
               <a:rPr lang="zh-CN" altLang="en-US" sz="2000" dirty="0" smtClean="0"/>
-              <a:t>进</a:t>
-            </a:r>
-            <a:r>
-              <a:rPr lang="zh-CN" altLang="en-US" sz="2000" dirty="0" smtClean="0"/>
-              <a:t>程的不同优先级必须考虑，更重要的进程必须必次要的进程更多的</a:t>
+              <a:t>进程的不同优先级必须考虑，更重要的进程必须必次要的进程更多的</a:t>
             </a:r>
             <a:r>
               <a:rPr lang="en-US" altLang="zh-CN" sz="2000" dirty="0" smtClean="0"/>
@@ -11815,23 +12202,15 @@
             </a:r>
             <a:r>
               <a:rPr lang="zh-CN" altLang="en-US" sz="2000" dirty="0" smtClean="0"/>
-              <a:t>时</a:t>
-            </a:r>
-            <a:r>
-              <a:rPr lang="zh-CN" altLang="en-US" sz="2000" dirty="0" smtClean="0"/>
-              <a:t>间份额</a:t>
-            </a:r>
-            <a:endParaRPr lang="en-US" altLang="zh-CN" sz="2000" dirty="0" smtClean="0"/>
-          </a:p>
-          <a:p>
-            <a:pPr lvl="1"/>
-            <a:r>
-              <a:rPr lang="zh-CN" altLang="en-US" sz="2000" dirty="0" smtClean="0"/>
-              <a:t>进</a:t>
-            </a:r>
-            <a:r>
-              <a:rPr lang="zh-CN" altLang="en-US" sz="2000" dirty="0" smtClean="0"/>
-              <a:t>程不能切换得太频繁，因为上下文切换，即从一个进程改变到另一个，是有开销的。两个相邻的任务切换之间，时间也不能太长，否则会累积比较大的不公平值</a:t>
+              <a:t>时间份额</a:t>
+            </a:r>
+            <a:endParaRPr lang="en-US" altLang="zh-CN" sz="2000" dirty="0" smtClean="0"/>
+          </a:p>
+          <a:p>
+            <a:pPr lvl="1"/>
+            <a:r>
+              <a:rPr lang="zh-CN" altLang="en-US" sz="2000" dirty="0" smtClean="0"/>
+              <a:t>进程不能切换得太频繁，因为上下文切换，即从一个进程改变到另一个，是有开销的。两个相邻的任务切换之间，时间也不能太长，否则会累积比较大的不公平值</a:t>
             </a:r>
             <a:endParaRPr lang="en-US" sz="2000" dirty="0" smtClean="0"/>
           </a:p>
@@ -12183,11 +12562,7 @@
             <a:pPr lvl="1"/>
             <a:r>
               <a:rPr lang="en-US" sz="2000" i="1" dirty="0" smtClean="0"/>
-              <a:t>Scheduling </a:t>
-            </a:r>
-            <a:r>
-              <a:rPr lang="en-US" sz="2000" i="1" dirty="0" smtClean="0"/>
-              <a:t>classes</a:t>
+              <a:t>Scheduling classes</a:t>
             </a:r>
             <a:r>
               <a:rPr lang="zh-CN" altLang="en-US" sz="2000" dirty="0" smtClean="0"/>
@@ -12199,19 +12574,7 @@
             </a:r>
             <a:r>
               <a:rPr lang="en-US" sz="2000" dirty="0" smtClean="0"/>
-              <a:t>completely fair scheduling, real-time scheduling, and scheduling of </a:t>
-            </a:r>
-            <a:r>
-              <a:rPr lang="en-US" sz="2000" dirty="0" smtClean="0"/>
-              <a:t>the </a:t>
-            </a:r>
-            <a:r>
-              <a:rPr lang="en-US" sz="2000" dirty="0" smtClean="0"/>
-              <a:t>idle task when there is nothing to </a:t>
-            </a:r>
-            <a:r>
-              <a:rPr lang="en-US" sz="2000" dirty="0" smtClean="0"/>
-              <a:t>do</a:t>
+              <a:t>completely fair scheduling, real-time scheduling, and scheduling of the idle task when there is nothing to do</a:t>
             </a:r>
             <a:r>
               <a:rPr lang="en-US" altLang="zh-CN" sz="2000" dirty="0" smtClean="0"/>
@@ -12222,15 +12585,7 @@
             <a:pPr lvl="1"/>
             <a:r>
               <a:rPr lang="zh-CN" altLang="en-US" sz="2000" dirty="0" smtClean="0"/>
-              <a:t>在选中将要运行的</a:t>
-            </a:r>
-            <a:r>
-              <a:rPr lang="zh-CN" altLang="en-US" sz="2000" dirty="0" smtClean="0"/>
-              <a:t>进</a:t>
-            </a:r>
-            <a:r>
-              <a:rPr lang="zh-CN" altLang="en-US" sz="2000" dirty="0" smtClean="0"/>
-              <a:t>程之后，必须执行底层</a:t>
+              <a:t>在选中将要运行的进程之后，必须执行底层</a:t>
             </a:r>
             <a:r>
               <a:rPr lang="en-US" altLang="zh-CN" sz="2000" dirty="0" smtClean="0"/>
@@ -12254,19 +12609,7 @@
             <a:pPr lvl="1"/>
             <a:r>
               <a:rPr lang="zh-CN" altLang="en-US" sz="2000" dirty="0" smtClean="0"/>
-              <a:t>每</a:t>
-            </a:r>
-            <a:r>
-              <a:rPr lang="zh-CN" altLang="en-US" sz="2000" dirty="0" smtClean="0"/>
-              <a:t>个</a:t>
-            </a:r>
-            <a:r>
-              <a:rPr lang="zh-CN" altLang="en-US" sz="2000" dirty="0" smtClean="0"/>
-              <a:t>进</a:t>
-            </a:r>
-            <a:r>
-              <a:rPr lang="zh-CN" altLang="en-US" sz="2000" dirty="0" smtClean="0"/>
-              <a:t>程都刚好属于某一调度类，各个调度类负责管理所属的进程。通用调度器自身完全不涉及进程管理，其工作都委托给调度类</a:t>
+              <a:t>每个进程都刚好属于某一调度类，各个调度类负责管理所属的进程。通用调度器自身完全不涉及进程管理，其工作都委托给调度类</a:t>
             </a:r>
             <a:endParaRPr lang="en-US" sz="2000" dirty="0" smtClean="0"/>
           </a:p>
@@ -12332,11 +12675,7 @@
           <a:p>
             <a:r>
               <a:rPr lang="en-US" altLang="zh-CN" dirty="0" err="1" smtClean="0"/>
-              <a:t>t</a:t>
-            </a:r>
-            <a:r>
-              <a:rPr lang="en-US" altLang="zh-CN" dirty="0" err="1" smtClean="0"/>
-              <a:t>ask_struct</a:t>
+              <a:t>task_struct</a:t>
             </a:r>
             <a:r>
               <a:rPr lang="zh-CN" altLang="en-US" dirty="0" smtClean="0"/>
@@ -12479,11 +12818,7 @@
             </a:r>
             <a:r>
               <a:rPr lang="en-US" altLang="zh-CN" sz="2000" dirty="0" err="1" smtClean="0"/>
-              <a:t>n</a:t>
-            </a:r>
-            <a:r>
-              <a:rPr lang="en-US" altLang="zh-CN" sz="2000" dirty="0" err="1" smtClean="0"/>
-              <a:t>ormal_priority</a:t>
+              <a:t>normal_priority</a:t>
             </a:r>
             <a:r>
               <a:rPr lang="zh-CN" altLang="en-US" sz="2000" dirty="0" smtClean="0"/>
@@ -12595,11 +12930,7 @@
             </a:r>
             <a:r>
               <a:rPr lang="zh-CN" altLang="en-US" sz="1600" dirty="0" smtClean="0"/>
-              <a:t>：</a:t>
-            </a:r>
-            <a:r>
-              <a:rPr lang="zh-CN" altLang="en-US" sz="1600" dirty="0" smtClean="0"/>
-              <a:t>通过</a:t>
+              <a:t>：通过</a:t>
             </a:r>
             <a:r>
               <a:rPr lang="en-US" altLang="zh-CN" sz="1600" dirty="0" smtClean="0"/>
@@ -12631,15 +12962,7 @@
             </a:r>
             <a:r>
               <a:rPr lang="zh-CN" altLang="en-US" sz="1600" dirty="0" smtClean="0"/>
-              <a:t>：</a:t>
-            </a:r>
-            <a:r>
-              <a:rPr lang="zh-CN" altLang="en-US" sz="1600" dirty="0" smtClean="0"/>
-              <a:t>用于实现软实时进程</a:t>
-            </a:r>
-            <a:r>
-              <a:rPr lang="zh-CN" altLang="en-US" sz="1600" dirty="0" smtClean="0"/>
-              <a:t>，</a:t>
+              <a:t>：用于实现软实时进程，</a:t>
             </a:r>
             <a:r>
               <a:rPr lang="en-US" altLang="zh-CN" sz="1600" dirty="0" smtClean="0"/>
@@ -12647,15 +12970,7 @@
             </a:r>
             <a:r>
               <a:rPr lang="zh-CN" altLang="en-US" sz="1600" dirty="0" smtClean="0"/>
-              <a:t>方</a:t>
-            </a:r>
-            <a:r>
-              <a:rPr lang="zh-CN" altLang="en-US" sz="1600" dirty="0" smtClean="0"/>
-              <a:t>法，由实时调度器类处</a:t>
-            </a:r>
-            <a:r>
-              <a:rPr lang="zh-CN" altLang="en-US" sz="1600" dirty="0" smtClean="0"/>
-              <a:t>理</a:t>
+              <a:t>方法，由实时调度器类处理</a:t>
             </a:r>
             <a:endParaRPr lang="en-US" altLang="zh-CN" sz="1600" dirty="0" smtClean="0"/>
           </a:p>
@@ -12675,11 +12990,7 @@
             </a:r>
             <a:r>
               <a:rPr lang="zh-CN" altLang="en-US" sz="2000" dirty="0" smtClean="0"/>
-              <a:t>上运</a:t>
-            </a:r>
-            <a:r>
-              <a:rPr lang="zh-CN" altLang="en-US" sz="2000" dirty="0" smtClean="0"/>
-              <a:t>行</a:t>
+              <a:t>上运行</a:t>
             </a:r>
             <a:r>
               <a:rPr lang="en-US" altLang="zh-CN" sz="2000" dirty="0" smtClean="0"/>
@@ -12693,7 +13004,6 @@
               <a:rPr lang="en-US" altLang="zh-CN" sz="2000" dirty="0" smtClean="0"/>
               <a:t>)</a:t>
             </a:r>
-            <a:endParaRPr lang="en-US" altLang="zh-CN" sz="2000" dirty="0" smtClean="0"/>
           </a:p>
           <a:p>
             <a:pPr lvl="1"/>
@@ -13159,11 +13469,7 @@
             <a:pPr lvl="1"/>
             <a:r>
               <a:rPr lang="zh-CN" altLang="en-US" sz="2000" dirty="0" smtClean="0"/>
-              <a:t>各</a:t>
-            </a:r>
-            <a:r>
-              <a:rPr lang="zh-CN" altLang="en-US" sz="2000" dirty="0" smtClean="0"/>
-              <a:t>个</a:t>
+              <a:t>各个</a:t>
             </a:r>
             <a:r>
               <a:rPr lang="en-US" altLang="zh-CN" sz="2000" dirty="0" smtClean="0"/>
@@ -13187,11 +13493,7 @@
             <a:pPr lvl="1"/>
             <a:r>
               <a:rPr lang="zh-CN" altLang="en-US" sz="2000" dirty="0" smtClean="0"/>
-              <a:t>系</a:t>
-            </a:r>
-            <a:r>
-              <a:rPr lang="zh-CN" altLang="en-US" sz="2000" dirty="0" smtClean="0"/>
-              <a:t>统的所有就绪队列都在</a:t>
+              <a:t>系统的所有就绪队列都在</a:t>
             </a:r>
             <a:r>
               <a:rPr lang="en-US" altLang="zh-CN" sz="2000" dirty="0" err="1" smtClean="0"/>
@@ -13451,11 +13753,7 @@
             <a:pPr lvl="1"/>
             <a:r>
               <a:rPr lang="en-US" altLang="zh-CN" sz="2000" dirty="0" smtClean="0"/>
-              <a:t>i</a:t>
-            </a:r>
-            <a:r>
-              <a:rPr lang="en-US" altLang="zh-CN" sz="2000" dirty="0" smtClean="0"/>
-              <a:t>dle</a:t>
+              <a:t>idle</a:t>
             </a:r>
             <a:r>
               <a:rPr lang="zh-CN" altLang="en-US" sz="2000" dirty="0" smtClean="0"/>
@@ -13822,15 +14120,7 @@
             <a:pPr lvl="1"/>
             <a:r>
               <a:rPr lang="zh-CN" altLang="en-US" sz="2000" dirty="0" smtClean="0"/>
-              <a:t>不只</a:t>
-            </a:r>
-            <a:r>
-              <a:rPr lang="zh-CN" altLang="en-US" sz="2000" dirty="0" smtClean="0"/>
-              <a:t>限</a:t>
-            </a:r>
-            <a:r>
-              <a:rPr lang="zh-CN" altLang="en-US" sz="2000" dirty="0" smtClean="0"/>
-              <a:t>于进程</a:t>
+              <a:t>不只限于进程</a:t>
             </a:r>
             <a:endParaRPr lang="en-US" altLang="zh-CN" sz="2000" dirty="0" smtClean="0"/>
           </a:p>
@@ -13896,11 +14186,7 @@
             </a:r>
             <a:r>
               <a:rPr lang="zh-CN" altLang="en-US" sz="2000" dirty="0" smtClean="0"/>
-              <a:t>时</a:t>
-            </a:r>
-            <a:r>
-              <a:rPr lang="zh-CN" altLang="en-US" sz="2000" dirty="0" smtClean="0"/>
-              <a:t>间，以用于</a:t>
+              <a:t>时间，以用于</a:t>
             </a:r>
             <a:r>
               <a:rPr lang="en-US" altLang="zh-CN" sz="2000" dirty="0" smtClean="0"/>
@@ -13992,11 +14278,7 @@
             </a:r>
             <a:r>
               <a:rPr lang="en-US" altLang="zh-CN" sz="2000" dirty="0" err="1" smtClean="0"/>
-              <a:t>s</a:t>
-            </a:r>
-            <a:r>
-              <a:rPr lang="en-US" altLang="zh-CN" sz="2000" dirty="0" err="1" smtClean="0"/>
-              <a:t>um_exec_runtime</a:t>
+              <a:t>sum_exec_runtime</a:t>
             </a:r>
             <a:r>
               <a:rPr lang="zh-CN" altLang="en-US" sz="2000" dirty="0" smtClean="0"/>
@@ -14433,7 +14715,6 @@
               <a:rPr lang="en-US" altLang="zh-CN" sz="2000" dirty="0" smtClean="0"/>
               <a:t>10% CPU</a:t>
             </a:r>
-            <a:endParaRPr lang="en-US" altLang="zh-CN" sz="2000" dirty="0" smtClean="0"/>
           </a:p>
           <a:p>
             <a:pPr lvl="1"/>
@@ -14615,11 +14896,7 @@
             </a:pPr>
             <a:r>
               <a:rPr lang="en-US" sz="2400" dirty="0" smtClean="0"/>
-              <a:t>The Periodic </a:t>
-            </a:r>
-            <a:r>
-              <a:rPr lang="en-US" sz="2400" dirty="0" smtClean="0"/>
-              <a:t>Scheduler</a:t>
+              <a:t>The Periodic Scheduler</a:t>
             </a:r>
             <a:endParaRPr lang="en-US" altLang="zh-CN" sz="2400" dirty="0" smtClean="0"/>
           </a:p>
@@ -14653,15 +14930,22 @@
           </a:p>
           <a:p>
             <a:pPr lvl="1"/>
-            <a:r>
-              <a:rPr lang="zh-CN" altLang="en-US" sz="2000" dirty="0" smtClean="0"/>
-              <a:t>如果当前进程需要重新调度，设置</a:t>
+            <a:endParaRPr lang="en-US" altLang="zh-CN" sz="2000" dirty="0" smtClean="0"/>
+          </a:p>
+          <a:p>
+            <a:pPr lvl="1"/>
+            <a:r>
+              <a:rPr lang="zh-CN" altLang="en-US" sz="2000" dirty="0" smtClean="0"/>
+              <a:t>如</a:t>
+            </a:r>
+            <a:r>
+              <a:rPr lang="zh-CN" altLang="en-US" sz="2000" dirty="0" smtClean="0"/>
+              <a:t>果当前进程需要重新调度，设置</a:t>
             </a:r>
             <a:r>
               <a:rPr lang="en-US" altLang="zh-CN" sz="2000" dirty="0" smtClean="0"/>
               <a:t>TIF_NEED_RESCHED</a:t>
             </a:r>
-            <a:endParaRPr lang="en-US" altLang="zh-CN" sz="2000" dirty="0" smtClean="0"/>
           </a:p>
           <a:p>
             <a:pPr lvl="1"/>
@@ -15142,7 +15426,7 @@
         </p:blipFill>
         <p:spPr bwMode="auto">
           <a:xfrm>
-            <a:off x="762000" y="-638175"/>
+            <a:off x="533400" y="-638175"/>
             <a:ext cx="7153275" cy="7496175"/>
           </a:xfrm>
           <a:prstGeom prst="rect">
@@ -15461,15 +15745,7 @@
             </a:r>
             <a:r>
               <a:rPr lang="zh-CN" altLang="en-US" sz="2000" dirty="0" smtClean="0"/>
-              <a:t>有趣之处在于，调度过程可能选择了一个新进程，而清理则是针对此前的活动进程。请注意，这不是发起上下文切换的那个</a:t>
-            </a:r>
-            <a:r>
-              <a:rPr lang="zh-CN" altLang="en-US" sz="2000" dirty="0" smtClean="0"/>
-              <a:t>进</a:t>
-            </a:r>
-            <a:r>
-              <a:rPr lang="zh-CN" altLang="en-US" sz="2000" dirty="0" smtClean="0"/>
-              <a:t>程，而是系统中速记的某个其它进程</a:t>
+              <a:t>有趣之处在于，调度过程可能选择了一个新进程，而清理则是针对此前的活动进程。请注意，这不是发起上下文切换的那个进程，而是系统中速记的某个其它进程</a:t>
             </a:r>
             <a:endParaRPr lang="en-US" altLang="zh-CN" sz="2000" dirty="0" smtClean="0"/>
           </a:p>
@@ -15637,6 +15913,457 @@
           <a:xfrm>
             <a:off x="1676400" y="3733800"/>
             <a:ext cx="5838825" cy="2047875"/>
+          </a:xfrm>
+          <a:prstGeom prst="rect">
+            <a:avLst/>
+          </a:prstGeom>
+          <a:noFill/>
+          <a:ln w="9525">
+            <a:noFill/>
+            <a:miter lim="800000"/>
+            <a:headEnd/>
+            <a:tailEnd/>
+          </a:ln>
+        </p:spPr>
+      </p:pic>
+    </p:spTree>
+  </p:cSld>
+  <p:clrMapOvr>
+    <a:masterClrMapping/>
+  </p:clrMapOvr>
+  <p:timing>
+    <p:tnLst>
+      <p:par>
+        <p:cTn id="1" dur="indefinite" restart="never" nodeType="tmRoot"/>
+      </p:par>
+    </p:tnLst>
+  </p:timing>
+</p:sld>
+</file>
+
+<file path=ppt/slides/slide58.xml><?xml version="1.0" encoding="utf-8"?>
+<p:sld xmlns:a="http://schemas.openxmlformats.org/drawingml/2006/main" xmlns:r="http://schemas.openxmlformats.org/officeDocument/2006/relationships" xmlns:p="http://schemas.openxmlformats.org/presentationml/2006/main">
+  <p:cSld>
+    <p:spTree>
+      <p:nvGrpSpPr>
+        <p:cNvPr id="1" name=""/>
+        <p:cNvGrpSpPr/>
+        <p:nvPr/>
+      </p:nvGrpSpPr>
+      <p:grpSpPr>
+        <a:xfrm>
+          <a:off x="0" y="0"/>
+          <a:ext cx="0" cy="0"/>
+          <a:chOff x="0" y="0"/>
+          <a:chExt cx="0" cy="0"/>
+        </a:xfrm>
+      </p:grpSpPr>
+      <p:sp>
+        <p:nvSpPr>
+          <p:cNvPr id="2" name="Title 1"/>
+          <p:cNvSpPr>
+            <a:spLocks noGrp="1"/>
+          </p:cNvSpPr>
+          <p:nvPr>
+            <p:ph type="title"/>
+          </p:nvPr>
+        </p:nvSpPr>
+        <p:spPr>
+          <a:xfrm>
+            <a:off x="457200" y="274638"/>
+            <a:ext cx="8229600" cy="868362"/>
+          </a:xfrm>
+        </p:spPr>
+        <p:txBody>
+          <a:bodyPr>
+            <a:normAutofit/>
+          </a:bodyPr>
+          <a:lstStyle/>
+          <a:p>
+            <a:r>
+              <a:rPr lang="zh-CN" altLang="en-US" sz="3200" dirty="0" smtClean="0"/>
+              <a:t>进程管理和调度</a:t>
+            </a:r>
+            <a:endParaRPr lang="en-US" sz="3200" dirty="0" smtClean="0"/>
+          </a:p>
+        </p:txBody>
+      </p:sp>
+      <p:sp>
+        <p:nvSpPr>
+          <p:cNvPr id="3" name="Content Placeholder 2"/>
+          <p:cNvSpPr>
+            <a:spLocks noGrp="1"/>
+          </p:cNvSpPr>
+          <p:nvPr>
+            <p:ph idx="1"/>
+          </p:nvPr>
+        </p:nvSpPr>
+        <p:spPr>
+          <a:xfrm>
+            <a:off x="457200" y="1143000"/>
+            <a:ext cx="8229600" cy="5562600"/>
+          </a:xfrm>
+        </p:spPr>
+        <p:txBody>
+          <a:bodyPr>
+            <a:normAutofit lnSpcReduction="10000"/>
+          </a:bodyPr>
+          <a:lstStyle/>
+          <a:p>
+            <a:pPr marL="342900" lvl="1" indent="-342900">
+              <a:buFont typeface="Arial" pitchFamily="34" charset="0"/>
+              <a:buChar char="•"/>
+            </a:pPr>
+            <a:r>
+              <a:rPr lang="en-US" sz="2400" dirty="0" smtClean="0"/>
+              <a:t>CFS (Completely Fair Schedul</a:t>
+            </a:r>
+            <a:r>
+              <a:rPr lang="en-US" altLang="zh-CN" sz="2400" dirty="0" smtClean="0"/>
+              <a:t>ing Class</a:t>
+            </a:r>
+            <a:r>
+              <a:rPr lang="en-US" sz="2400" dirty="0" smtClean="0"/>
+              <a:t>)</a:t>
+            </a:r>
+            <a:endParaRPr lang="en-US" sz="2400" dirty="0" smtClean="0"/>
+          </a:p>
+          <a:p>
+            <a:pPr lvl="1"/>
+            <a:endParaRPr lang="en-US" sz="2000" dirty="0" smtClean="0"/>
+          </a:p>
+          <a:p>
+            <a:pPr lvl="1"/>
+            <a:endParaRPr lang="en-US" sz="2000" dirty="0" smtClean="0"/>
+          </a:p>
+          <a:p>
+            <a:pPr lvl="1"/>
+            <a:endParaRPr lang="en-US" sz="2000" dirty="0" smtClean="0"/>
+          </a:p>
+          <a:p>
+            <a:pPr lvl="1"/>
+            <a:endParaRPr lang="en-US" sz="2000" dirty="0" smtClean="0"/>
+          </a:p>
+          <a:p>
+            <a:pPr lvl="1"/>
+            <a:endParaRPr lang="en-US" sz="2000" dirty="0" smtClean="0"/>
+          </a:p>
+          <a:p>
+            <a:pPr lvl="1"/>
+            <a:endParaRPr lang="en-US" sz="2000" dirty="0" smtClean="0"/>
+          </a:p>
+          <a:p>
+            <a:pPr lvl="1"/>
+            <a:endParaRPr lang="en-US" sz="2000" dirty="0" smtClean="0"/>
+          </a:p>
+          <a:p>
+            <a:pPr lvl="1"/>
+            <a:endParaRPr lang="en-US" sz="2000" dirty="0" smtClean="0"/>
+          </a:p>
+          <a:p>
+            <a:pPr lvl="1"/>
+            <a:endParaRPr lang="en-US" sz="2000" dirty="0" smtClean="0"/>
+          </a:p>
+          <a:p>
+            <a:pPr lvl="1"/>
+            <a:r>
+              <a:rPr lang="en-US" altLang="zh-CN" sz="2000" dirty="0" err="1" smtClean="0"/>
+              <a:t>nr_running</a:t>
+            </a:r>
+            <a:r>
+              <a:rPr lang="zh-CN" altLang="en-US" sz="2000" dirty="0" smtClean="0"/>
+              <a:t>是队列上可运行进程的数目，</a:t>
+            </a:r>
+            <a:r>
+              <a:rPr lang="en-US" altLang="zh-CN" sz="2000" dirty="0" smtClean="0"/>
+              <a:t>load</a:t>
+            </a:r>
+            <a:r>
+              <a:rPr lang="zh-CN" altLang="en-US" sz="2000" dirty="0" smtClean="0"/>
+              <a:t>维护了所有这些进程的累积负荷值</a:t>
+            </a:r>
+            <a:endParaRPr lang="en-US" altLang="zh-CN" sz="2000" dirty="0" smtClean="0"/>
+          </a:p>
+          <a:p>
+            <a:pPr lvl="1"/>
+            <a:r>
+              <a:rPr lang="en-US" altLang="zh-CN" sz="2000" dirty="0" err="1" smtClean="0"/>
+              <a:t>min_vruntime</a:t>
+            </a:r>
+            <a:r>
+              <a:rPr lang="zh-CN" altLang="en-US" sz="2000" dirty="0" smtClean="0"/>
+              <a:t>跟</a:t>
+            </a:r>
+            <a:r>
+              <a:rPr lang="zh-CN" altLang="en-US" sz="2000" dirty="0" smtClean="0"/>
+              <a:t>踪记录队列上所有进程的最小虚拟运行时间</a:t>
+            </a:r>
+            <a:endParaRPr lang="en-US" altLang="zh-CN" sz="2000" dirty="0" smtClean="0"/>
+          </a:p>
+          <a:p>
+            <a:pPr lvl="1"/>
+            <a:r>
+              <a:rPr lang="en-US" altLang="zh-CN" sz="2000" dirty="0" err="1" smtClean="0"/>
+              <a:t>task_timeline</a:t>
+            </a:r>
+            <a:r>
+              <a:rPr lang="zh-CN" altLang="en-US" sz="2000" dirty="0" smtClean="0"/>
+              <a:t>红黑树的根节点，</a:t>
+            </a:r>
+            <a:r>
+              <a:rPr lang="en-US" altLang="zh-CN" sz="2000" dirty="0" err="1" smtClean="0"/>
+              <a:t>rb_leftmost</a:t>
+            </a:r>
+            <a:r>
+              <a:rPr lang="zh-CN" altLang="en-US" sz="2000" dirty="0" smtClean="0"/>
+              <a:t>总是设置为指向数最左边的节点，即最需要被调度的进程</a:t>
+            </a:r>
+            <a:endParaRPr lang="en-US" altLang="zh-CN" sz="2000" dirty="0" smtClean="0"/>
+          </a:p>
+          <a:p>
+            <a:pPr lvl="1"/>
+            <a:r>
+              <a:rPr lang="en-US" altLang="zh-CN" sz="2000" dirty="0" err="1" smtClean="0"/>
+              <a:t>curr</a:t>
+            </a:r>
+            <a:r>
+              <a:rPr lang="zh-CN" altLang="en-US" sz="2000" dirty="0" smtClean="0"/>
+              <a:t>指向当前可行的进程的可调度实体</a:t>
+            </a:r>
+            <a:endParaRPr lang="en-US" altLang="zh-CN" sz="2000" dirty="0" smtClean="0"/>
+          </a:p>
+          <a:p>
+            <a:pPr lvl="1"/>
+            <a:endParaRPr lang="en-US" sz="2000" dirty="0"/>
+          </a:p>
+        </p:txBody>
+      </p:sp>
+      <p:pic>
+        <p:nvPicPr>
+          <p:cNvPr id="1026" name="Picture 2"/>
+          <p:cNvPicPr>
+            <a:picLocks noChangeAspect="1" noChangeArrowheads="1"/>
+          </p:cNvPicPr>
+          <p:nvPr/>
+        </p:nvPicPr>
+        <p:blipFill>
+          <a:blip r:embed="rId3" cstate="print"/>
+          <a:srcRect/>
+          <a:stretch>
+            <a:fillRect/>
+          </a:stretch>
+        </p:blipFill>
+        <p:spPr bwMode="auto">
+          <a:xfrm>
+            <a:off x="533400" y="1600200"/>
+            <a:ext cx="4667250" cy="2971800"/>
+          </a:xfrm>
+          <a:prstGeom prst="rect">
+            <a:avLst/>
+          </a:prstGeom>
+          <a:noFill/>
+          <a:ln w="9525">
+            <a:noFill/>
+            <a:miter lim="800000"/>
+            <a:headEnd/>
+            <a:tailEnd/>
+          </a:ln>
+        </p:spPr>
+      </p:pic>
+      <p:pic>
+        <p:nvPicPr>
+          <p:cNvPr id="1027" name="Picture 3"/>
+          <p:cNvPicPr>
+            <a:picLocks noChangeAspect="1" noChangeArrowheads="1"/>
+          </p:cNvPicPr>
+          <p:nvPr/>
+        </p:nvPicPr>
+        <p:blipFill>
+          <a:blip r:embed="rId4" cstate="print"/>
+          <a:srcRect/>
+          <a:stretch>
+            <a:fillRect/>
+          </a:stretch>
+        </p:blipFill>
+        <p:spPr bwMode="auto">
+          <a:xfrm>
+            <a:off x="5486400" y="1676400"/>
+            <a:ext cx="3457575" cy="2047875"/>
+          </a:xfrm>
+          <a:prstGeom prst="rect">
+            <a:avLst/>
+          </a:prstGeom>
+          <a:noFill/>
+          <a:ln w="9525">
+            <a:noFill/>
+            <a:miter lim="800000"/>
+            <a:headEnd/>
+            <a:tailEnd/>
+          </a:ln>
+        </p:spPr>
+      </p:pic>
+    </p:spTree>
+  </p:cSld>
+  <p:clrMapOvr>
+    <a:masterClrMapping/>
+  </p:clrMapOvr>
+  <p:timing>
+    <p:tnLst>
+      <p:par>
+        <p:cTn id="1" dur="indefinite" restart="never" nodeType="tmRoot"/>
+      </p:par>
+    </p:tnLst>
+  </p:timing>
+</p:sld>
+</file>
+
+<file path=ppt/slides/slide59.xml><?xml version="1.0" encoding="utf-8"?>
+<p:sld xmlns:a="http://schemas.openxmlformats.org/drawingml/2006/main" xmlns:r="http://schemas.openxmlformats.org/officeDocument/2006/relationships" xmlns:p="http://schemas.openxmlformats.org/presentationml/2006/main">
+  <p:cSld>
+    <p:spTree>
+      <p:nvGrpSpPr>
+        <p:cNvPr id="1" name=""/>
+        <p:cNvGrpSpPr/>
+        <p:nvPr/>
+      </p:nvGrpSpPr>
+      <p:grpSpPr>
+        <a:xfrm>
+          <a:off x="0" y="0"/>
+          <a:ext cx="0" cy="0"/>
+          <a:chOff x="0" y="0"/>
+          <a:chExt cx="0" cy="0"/>
+        </a:xfrm>
+      </p:grpSpPr>
+      <p:sp>
+        <p:nvSpPr>
+          <p:cNvPr id="2" name="Title 1"/>
+          <p:cNvSpPr>
+            <a:spLocks noGrp="1"/>
+          </p:cNvSpPr>
+          <p:nvPr>
+            <p:ph type="title"/>
+          </p:nvPr>
+        </p:nvSpPr>
+        <p:spPr>
+          <a:xfrm>
+            <a:off x="457200" y="274638"/>
+            <a:ext cx="8229600" cy="868362"/>
+          </a:xfrm>
+        </p:spPr>
+        <p:txBody>
+          <a:bodyPr>
+            <a:normAutofit/>
+          </a:bodyPr>
+          <a:lstStyle/>
+          <a:p>
+            <a:r>
+              <a:rPr lang="zh-CN" altLang="en-US" sz="3200" dirty="0" smtClean="0"/>
+              <a:t>进程管理和调度</a:t>
+            </a:r>
+            <a:endParaRPr lang="en-US" sz="3200" dirty="0" smtClean="0"/>
+          </a:p>
+        </p:txBody>
+      </p:sp>
+      <p:sp>
+        <p:nvSpPr>
+          <p:cNvPr id="3" name="Content Placeholder 2"/>
+          <p:cNvSpPr>
+            <a:spLocks noGrp="1"/>
+          </p:cNvSpPr>
+          <p:nvPr>
+            <p:ph idx="1"/>
+          </p:nvPr>
+        </p:nvSpPr>
+        <p:spPr>
+          <a:xfrm>
+            <a:off x="457200" y="1143000"/>
+            <a:ext cx="8229600" cy="5562600"/>
+          </a:xfrm>
+        </p:spPr>
+        <p:txBody>
+          <a:bodyPr>
+            <a:normAutofit/>
+          </a:bodyPr>
+          <a:lstStyle/>
+          <a:p>
+            <a:pPr marL="342900" lvl="1" indent="-342900">
+              <a:buFont typeface="Arial" pitchFamily="34" charset="0"/>
+              <a:buChar char="•"/>
+            </a:pPr>
+            <a:r>
+              <a:rPr lang="en-US" sz="2000" dirty="0" smtClean="0"/>
+              <a:t>The Virtual Clock</a:t>
+            </a:r>
+          </a:p>
+          <a:p>
+            <a:pPr lvl="1"/>
+            <a:r>
+              <a:rPr lang="en-US" altLang="zh-CN" sz="2000" dirty="0" err="1" smtClean="0"/>
+              <a:t>update_curr</a:t>
+            </a:r>
+            <a:r>
+              <a:rPr lang="en-US" altLang="zh-CN" sz="2000" dirty="0" smtClean="0"/>
+              <a:t>()</a:t>
+            </a:r>
+            <a:r>
+              <a:rPr lang="zh-CN" altLang="en-US" sz="2000" dirty="0" smtClean="0"/>
+              <a:t>根据实际时钟和每个进程的负荷权重计算虚拟时钟</a:t>
+            </a:r>
+            <a:endParaRPr lang="en-US" sz="2000" dirty="0"/>
+          </a:p>
+        </p:txBody>
+      </p:sp>
+      <p:pic>
+        <p:nvPicPr>
+          <p:cNvPr id="2050" name="Picture 2"/>
+          <p:cNvPicPr>
+            <a:picLocks noChangeAspect="1" noChangeArrowheads="1"/>
+          </p:cNvPicPr>
+          <p:nvPr/>
+        </p:nvPicPr>
+        <p:blipFill>
+          <a:blip r:embed="rId3" cstate="print"/>
+          <a:srcRect/>
+          <a:stretch>
+            <a:fillRect/>
+          </a:stretch>
+        </p:blipFill>
+        <p:spPr bwMode="auto">
+          <a:xfrm>
+            <a:off x="1143000" y="1905000"/>
+            <a:ext cx="4914900" cy="2038350"/>
+          </a:xfrm>
+          <a:prstGeom prst="rect">
+            <a:avLst/>
+          </a:prstGeom>
+          <a:noFill/>
+          <a:ln w="9525">
+            <a:noFill/>
+            <a:miter lim="800000"/>
+            <a:headEnd/>
+            <a:tailEnd/>
+          </a:ln>
+        </p:spPr>
+      </p:pic>
+      <p:pic>
+        <p:nvPicPr>
+          <p:cNvPr id="2051" name="Picture 3"/>
+          <p:cNvPicPr>
+            <a:picLocks noChangeAspect="1" noChangeArrowheads="1"/>
+          </p:cNvPicPr>
+          <p:nvPr/>
+        </p:nvPicPr>
+        <p:blipFill>
+          <a:blip r:embed="rId4" cstate="print"/>
+          <a:srcRect/>
+          <a:stretch>
+            <a:fillRect/>
+          </a:stretch>
+        </p:blipFill>
+        <p:spPr bwMode="auto">
+          <a:xfrm>
+            <a:off x="914400" y="3962400"/>
+            <a:ext cx="7581900" cy="3219450"/>
           </a:xfrm>
           <a:prstGeom prst="rect">
             <a:avLst/>
@@ -15864,6 +16591,1819 @@
 </p:sld>
 </file>
 
+<file path=ppt/slides/slide60.xml><?xml version="1.0" encoding="utf-8"?>
+<p:sld xmlns:a="http://schemas.openxmlformats.org/drawingml/2006/main" xmlns:r="http://schemas.openxmlformats.org/officeDocument/2006/relationships" xmlns:p="http://schemas.openxmlformats.org/presentationml/2006/main">
+  <p:cSld>
+    <p:spTree>
+      <p:nvGrpSpPr>
+        <p:cNvPr id="1" name=""/>
+        <p:cNvGrpSpPr/>
+        <p:nvPr/>
+      </p:nvGrpSpPr>
+      <p:grpSpPr>
+        <a:xfrm>
+          <a:off x="0" y="0"/>
+          <a:ext cx="0" cy="0"/>
+          <a:chOff x="0" y="0"/>
+          <a:chExt cx="0" cy="0"/>
+        </a:xfrm>
+      </p:grpSpPr>
+      <p:sp>
+        <p:nvSpPr>
+          <p:cNvPr id="2" name="Title 1"/>
+          <p:cNvSpPr>
+            <a:spLocks noGrp="1"/>
+          </p:cNvSpPr>
+          <p:nvPr>
+            <p:ph type="title"/>
+          </p:nvPr>
+        </p:nvSpPr>
+        <p:spPr>
+          <a:xfrm>
+            <a:off x="457200" y="274638"/>
+            <a:ext cx="8229600" cy="868362"/>
+          </a:xfrm>
+        </p:spPr>
+        <p:txBody>
+          <a:bodyPr>
+            <a:normAutofit/>
+          </a:bodyPr>
+          <a:lstStyle/>
+          <a:p>
+            <a:r>
+              <a:rPr lang="zh-CN" altLang="en-US" sz="3200" dirty="0" smtClean="0"/>
+              <a:t>进程管理和调度</a:t>
+            </a:r>
+            <a:endParaRPr lang="en-US" sz="3200" dirty="0" smtClean="0"/>
+          </a:p>
+        </p:txBody>
+      </p:sp>
+      <p:sp>
+        <p:nvSpPr>
+          <p:cNvPr id="3" name="Content Placeholder 2"/>
+          <p:cNvSpPr>
+            <a:spLocks noGrp="1"/>
+          </p:cNvSpPr>
+          <p:nvPr>
+            <p:ph idx="1"/>
+          </p:nvPr>
+        </p:nvSpPr>
+        <p:spPr>
+          <a:xfrm>
+            <a:off x="457200" y="1143000"/>
+            <a:ext cx="8229600" cy="5562600"/>
+          </a:xfrm>
+        </p:spPr>
+        <p:txBody>
+          <a:bodyPr>
+            <a:normAutofit/>
+          </a:bodyPr>
+          <a:lstStyle/>
+          <a:p>
+            <a:pPr marL="342900" lvl="1" indent="-342900">
+              <a:buFont typeface="Arial" pitchFamily="34" charset="0"/>
+              <a:buChar char="•"/>
+            </a:pPr>
+            <a:r>
+              <a:rPr lang="en-US" sz="2000" dirty="0" smtClean="0"/>
+              <a:t>The Virtual Clock</a:t>
+            </a:r>
+          </a:p>
+          <a:p>
+            <a:pPr lvl="1"/>
+            <a:r>
+              <a:rPr lang="en-US" altLang="zh-CN" sz="2000" dirty="0" smtClean="0"/>
+              <a:t>__</a:t>
+            </a:r>
+            <a:r>
+              <a:rPr lang="en-US" altLang="zh-CN" sz="2000" dirty="0" err="1" smtClean="0"/>
+              <a:t>update_curr</a:t>
+            </a:r>
+            <a:r>
+              <a:rPr lang="en-US" altLang="zh-CN" sz="2000" dirty="0" smtClean="0"/>
+              <a:t>()</a:t>
+            </a:r>
+            <a:r>
+              <a:rPr lang="zh-CN" altLang="en-US" sz="2000" dirty="0" smtClean="0"/>
+              <a:t>更</a:t>
+            </a:r>
+            <a:r>
+              <a:rPr lang="zh-CN" altLang="en-US" sz="2000" dirty="0" smtClean="0"/>
+              <a:t>新物理运行时间和更新虚拟运行时间</a:t>
+            </a:r>
+            <a:endParaRPr lang="en-US" altLang="zh-CN" sz="2000" dirty="0" smtClean="0"/>
+          </a:p>
+          <a:p>
+            <a:pPr lvl="1">
+              <a:buNone/>
+            </a:pPr>
+            <a:endParaRPr lang="en-US" sz="2000" dirty="0"/>
+          </a:p>
+        </p:txBody>
+      </p:sp>
+      <p:pic>
+        <p:nvPicPr>
+          <p:cNvPr id="3074" name="Picture 2"/>
+          <p:cNvPicPr>
+            <a:picLocks noChangeAspect="1" noChangeArrowheads="1"/>
+          </p:cNvPicPr>
+          <p:nvPr/>
+        </p:nvPicPr>
+        <p:blipFill>
+          <a:blip r:embed="rId3" cstate="print"/>
+          <a:srcRect/>
+          <a:stretch>
+            <a:fillRect/>
+          </a:stretch>
+        </p:blipFill>
+        <p:spPr bwMode="auto">
+          <a:xfrm>
+            <a:off x="0" y="1228725"/>
+            <a:ext cx="9439275" cy="5629275"/>
+          </a:xfrm>
+          <a:prstGeom prst="rect">
+            <a:avLst/>
+          </a:prstGeom>
+          <a:noFill/>
+          <a:ln w="9525">
+            <a:noFill/>
+            <a:miter lim="800000"/>
+            <a:headEnd/>
+            <a:tailEnd/>
+          </a:ln>
+        </p:spPr>
+      </p:pic>
+    </p:spTree>
+  </p:cSld>
+  <p:clrMapOvr>
+    <a:masterClrMapping/>
+  </p:clrMapOvr>
+  <p:timing>
+    <p:tnLst>
+      <p:par>
+        <p:cTn id="1" dur="indefinite" restart="never" nodeType="tmRoot"/>
+      </p:par>
+    </p:tnLst>
+  </p:timing>
+</p:sld>
+</file>
+
+<file path=ppt/slides/slide61.xml><?xml version="1.0" encoding="utf-8"?>
+<p:sld xmlns:a="http://schemas.openxmlformats.org/drawingml/2006/main" xmlns:r="http://schemas.openxmlformats.org/officeDocument/2006/relationships" xmlns:p="http://schemas.openxmlformats.org/presentationml/2006/main">
+  <p:cSld>
+    <p:spTree>
+      <p:nvGrpSpPr>
+        <p:cNvPr id="1" name=""/>
+        <p:cNvGrpSpPr/>
+        <p:nvPr/>
+      </p:nvGrpSpPr>
+      <p:grpSpPr>
+        <a:xfrm>
+          <a:off x="0" y="0"/>
+          <a:ext cx="0" cy="0"/>
+          <a:chOff x="0" y="0"/>
+          <a:chExt cx="0" cy="0"/>
+        </a:xfrm>
+      </p:grpSpPr>
+      <p:sp>
+        <p:nvSpPr>
+          <p:cNvPr id="2" name="Title 1"/>
+          <p:cNvSpPr>
+            <a:spLocks noGrp="1"/>
+          </p:cNvSpPr>
+          <p:nvPr>
+            <p:ph type="title"/>
+          </p:nvPr>
+        </p:nvSpPr>
+        <p:spPr>
+          <a:xfrm>
+            <a:off x="457200" y="274638"/>
+            <a:ext cx="8229600" cy="868362"/>
+          </a:xfrm>
+        </p:spPr>
+        <p:txBody>
+          <a:bodyPr>
+            <a:normAutofit/>
+          </a:bodyPr>
+          <a:lstStyle/>
+          <a:p>
+            <a:r>
+              <a:rPr lang="zh-CN" altLang="en-US" sz="3200" dirty="0" smtClean="0"/>
+              <a:t>进程管理和调度</a:t>
+            </a:r>
+            <a:endParaRPr lang="en-US" sz="3200" dirty="0" smtClean="0"/>
+          </a:p>
+        </p:txBody>
+      </p:sp>
+      <p:sp>
+        <p:nvSpPr>
+          <p:cNvPr id="3" name="Content Placeholder 2"/>
+          <p:cNvSpPr>
+            <a:spLocks noGrp="1"/>
+          </p:cNvSpPr>
+          <p:nvPr>
+            <p:ph idx="1"/>
+          </p:nvPr>
+        </p:nvSpPr>
+        <p:spPr>
+          <a:xfrm>
+            <a:off x="457200" y="1143000"/>
+            <a:ext cx="8229600" cy="5562600"/>
+          </a:xfrm>
+        </p:spPr>
+        <p:txBody>
+          <a:bodyPr>
+            <a:normAutofit/>
+          </a:bodyPr>
+          <a:lstStyle/>
+          <a:p>
+            <a:pPr marL="342900" lvl="1" indent="-342900">
+              <a:buFont typeface="Arial" pitchFamily="34" charset="0"/>
+              <a:buChar char="•"/>
+            </a:pPr>
+            <a:r>
+              <a:rPr lang="en-US" sz="2400" dirty="0" smtClean="0"/>
+              <a:t>The Virtual Clock</a:t>
+            </a:r>
+          </a:p>
+          <a:p>
+            <a:pPr lvl="1"/>
+            <a:r>
+              <a:rPr lang="en-US" altLang="zh-CN" sz="2000" dirty="0" smtClean="0"/>
+              <a:t>CFS</a:t>
+            </a:r>
+            <a:r>
+              <a:rPr lang="zh-CN" altLang="en-US" sz="2000" dirty="0" smtClean="0"/>
+              <a:t>按照下面的键排序</a:t>
+            </a:r>
+            <a:endParaRPr lang="en-US" altLang="zh-CN" sz="2000" dirty="0" smtClean="0"/>
+          </a:p>
+          <a:p>
+            <a:pPr lvl="1"/>
+            <a:endParaRPr lang="en-US" altLang="zh-CN" sz="2000" dirty="0" smtClean="0"/>
+          </a:p>
+          <a:p>
+            <a:pPr lvl="1"/>
+            <a:endParaRPr lang="en-US" altLang="zh-CN" sz="2000" dirty="0" smtClean="0"/>
+          </a:p>
+          <a:p>
+            <a:pPr lvl="1"/>
+            <a:endParaRPr lang="en-US" altLang="zh-CN" sz="2000" dirty="0" smtClean="0"/>
+          </a:p>
+          <a:p>
+            <a:pPr lvl="1"/>
+            <a:endParaRPr lang="en-US" altLang="zh-CN" sz="2000" dirty="0" smtClean="0"/>
+          </a:p>
+          <a:p>
+            <a:pPr lvl="1"/>
+            <a:r>
+              <a:rPr lang="zh-CN" altLang="en-US" sz="2000" dirty="0" smtClean="0">
+                <a:solidFill>
+                  <a:srgbClr val="FF0000"/>
+                </a:solidFill>
+              </a:rPr>
+              <a:t>键值越小，排序位置越靠左，因此会被更快地调度。</a:t>
+            </a:r>
+            <a:endParaRPr lang="en-US" altLang="zh-CN" sz="2000" dirty="0" smtClean="0">
+              <a:solidFill>
+                <a:srgbClr val="FF0000"/>
+              </a:solidFill>
+            </a:endParaRPr>
+          </a:p>
+          <a:p>
+            <a:pPr lvl="2"/>
+            <a:r>
+              <a:rPr lang="zh-CN" altLang="en-US" sz="1800" dirty="0" smtClean="0"/>
+              <a:t>在进程运行时，其</a:t>
+            </a:r>
+            <a:r>
+              <a:rPr lang="en-US" altLang="zh-CN" sz="1800" dirty="0" err="1" smtClean="0"/>
+              <a:t>vruntime</a:t>
+            </a:r>
+            <a:r>
+              <a:rPr lang="zh-CN" altLang="en-US" sz="1800" dirty="0" smtClean="0"/>
+              <a:t>稳定增加，它在红黑树中总是向右移动。越重要的进程</a:t>
+            </a:r>
+            <a:r>
+              <a:rPr lang="en-US" altLang="zh-CN" sz="1800" dirty="0" err="1" smtClean="0"/>
+              <a:t>vruntime</a:t>
+            </a:r>
+            <a:r>
+              <a:rPr lang="zh-CN" altLang="en-US" sz="1800" dirty="0" smtClean="0"/>
+              <a:t>增加越慢，因此他们向右移动的也越慢，这样被调度的机会大于次要进程</a:t>
+            </a:r>
+            <a:endParaRPr lang="en-US" altLang="zh-CN" sz="1800" dirty="0" smtClean="0"/>
+          </a:p>
+          <a:p>
+            <a:pPr lvl="2"/>
+            <a:r>
+              <a:rPr lang="zh-CN" altLang="en-US" sz="1800" dirty="0" smtClean="0"/>
+              <a:t>如</a:t>
+            </a:r>
+            <a:r>
+              <a:rPr lang="zh-CN" altLang="en-US" sz="1800" dirty="0" smtClean="0"/>
+              <a:t>果进程进入睡眠，则其</a:t>
+            </a:r>
+            <a:r>
+              <a:rPr lang="en-US" altLang="zh-CN" sz="1800" dirty="0" err="1" smtClean="0"/>
+              <a:t>vruntime</a:t>
+            </a:r>
+            <a:r>
+              <a:rPr lang="zh-CN" altLang="en-US" sz="1800" dirty="0" smtClean="0"/>
+              <a:t>不变，因为每个队列</a:t>
+            </a:r>
+            <a:r>
+              <a:rPr lang="en-US" altLang="zh-CN" sz="1800" dirty="0" err="1" smtClean="0"/>
+              <a:t>min_runtime</a:t>
+            </a:r>
+            <a:r>
+              <a:rPr lang="zh-CN" altLang="en-US" sz="1800" dirty="0" smtClean="0"/>
+              <a:t>是单调递增的，那么睡眠醒来之后，在红黑树中的位置会更靠左，因为其键值便得更小了</a:t>
+            </a:r>
+            <a:endParaRPr lang="en-US" altLang="zh-CN" sz="1800" dirty="0" smtClean="0"/>
+          </a:p>
+          <a:p>
+            <a:pPr lvl="1">
+              <a:buNone/>
+            </a:pPr>
+            <a:endParaRPr lang="en-US" sz="1800" dirty="0"/>
+          </a:p>
+        </p:txBody>
+      </p:sp>
+      <p:pic>
+        <p:nvPicPr>
+          <p:cNvPr id="4098" name="Picture 2"/>
+          <p:cNvPicPr>
+            <a:picLocks noChangeAspect="1" noChangeArrowheads="1"/>
+          </p:cNvPicPr>
+          <p:nvPr/>
+        </p:nvPicPr>
+        <p:blipFill>
+          <a:blip r:embed="rId3" cstate="print"/>
+          <a:srcRect/>
+          <a:stretch>
+            <a:fillRect/>
+          </a:stretch>
+        </p:blipFill>
+        <p:spPr bwMode="auto">
+          <a:xfrm>
+            <a:off x="1295400" y="1981200"/>
+            <a:ext cx="6734175" cy="1000125"/>
+          </a:xfrm>
+          <a:prstGeom prst="rect">
+            <a:avLst/>
+          </a:prstGeom>
+          <a:noFill/>
+          <a:ln w="9525">
+            <a:noFill/>
+            <a:miter lim="800000"/>
+            <a:headEnd/>
+            <a:tailEnd/>
+          </a:ln>
+        </p:spPr>
+      </p:pic>
+    </p:spTree>
+  </p:cSld>
+  <p:clrMapOvr>
+    <a:masterClrMapping/>
+  </p:clrMapOvr>
+  <p:timing>
+    <p:tnLst>
+      <p:par>
+        <p:cTn id="1" dur="indefinite" restart="never" nodeType="tmRoot"/>
+      </p:par>
+    </p:tnLst>
+  </p:timing>
+</p:sld>
+</file>
+
+<file path=ppt/slides/slide62.xml><?xml version="1.0" encoding="utf-8"?>
+<p:sld xmlns:a="http://schemas.openxmlformats.org/drawingml/2006/main" xmlns:r="http://schemas.openxmlformats.org/officeDocument/2006/relationships" xmlns:p="http://schemas.openxmlformats.org/presentationml/2006/main">
+  <p:cSld>
+    <p:spTree>
+      <p:nvGrpSpPr>
+        <p:cNvPr id="1" name=""/>
+        <p:cNvGrpSpPr/>
+        <p:nvPr/>
+      </p:nvGrpSpPr>
+      <p:grpSpPr>
+        <a:xfrm>
+          <a:off x="0" y="0"/>
+          <a:ext cx="0" cy="0"/>
+          <a:chOff x="0" y="0"/>
+          <a:chExt cx="0" cy="0"/>
+        </a:xfrm>
+      </p:grpSpPr>
+      <p:sp>
+        <p:nvSpPr>
+          <p:cNvPr id="2" name="Title 1"/>
+          <p:cNvSpPr>
+            <a:spLocks noGrp="1"/>
+          </p:cNvSpPr>
+          <p:nvPr>
+            <p:ph type="title"/>
+          </p:nvPr>
+        </p:nvSpPr>
+        <p:spPr>
+          <a:xfrm>
+            <a:off x="457200" y="274638"/>
+            <a:ext cx="8229600" cy="868362"/>
+          </a:xfrm>
+        </p:spPr>
+        <p:txBody>
+          <a:bodyPr>
+            <a:normAutofit/>
+          </a:bodyPr>
+          <a:lstStyle/>
+          <a:p>
+            <a:r>
+              <a:rPr lang="zh-CN" altLang="en-US" sz="3200" dirty="0" smtClean="0"/>
+              <a:t>进程管理和调度</a:t>
+            </a:r>
+            <a:endParaRPr lang="en-US" sz="3200" dirty="0" smtClean="0"/>
+          </a:p>
+        </p:txBody>
+      </p:sp>
+      <p:sp>
+        <p:nvSpPr>
+          <p:cNvPr id="3" name="Content Placeholder 2"/>
+          <p:cNvSpPr>
+            <a:spLocks noGrp="1"/>
+          </p:cNvSpPr>
+          <p:nvPr>
+            <p:ph idx="1"/>
+          </p:nvPr>
+        </p:nvSpPr>
+        <p:spPr>
+          <a:xfrm>
+            <a:off x="457200" y="1143000"/>
+            <a:ext cx="8229600" cy="5562600"/>
+          </a:xfrm>
+        </p:spPr>
+        <p:txBody>
+          <a:bodyPr>
+            <a:normAutofit/>
+          </a:bodyPr>
+          <a:lstStyle/>
+          <a:p>
+            <a:pPr marL="342900" lvl="1" indent="-342900">
+              <a:buFont typeface="Arial" pitchFamily="34" charset="0"/>
+              <a:buChar char="•"/>
+            </a:pPr>
+            <a:r>
+              <a:rPr lang="en-US" sz="2400" dirty="0" smtClean="0"/>
+              <a:t>CFS (Completely Fair Scheduler)</a:t>
+            </a:r>
+            <a:endParaRPr lang="en-US" sz="2400" dirty="0" smtClean="0"/>
+          </a:p>
+          <a:p>
+            <a:pPr lvl="1"/>
+            <a:r>
+              <a:rPr lang="en-US" altLang="zh-CN" sz="2000" dirty="0" smtClean="0"/>
+              <a:t>CFS</a:t>
+            </a:r>
+            <a:r>
+              <a:rPr lang="zh-CN" altLang="en-US" sz="2000" dirty="0" smtClean="0"/>
+              <a:t>必须保证在一个</a:t>
+            </a:r>
+            <a:r>
+              <a:rPr lang="en-US" altLang="zh-CN" sz="2000" dirty="0" err="1" smtClean="0"/>
+              <a:t>sysctl_sched_latency</a:t>
+            </a:r>
+            <a:r>
+              <a:rPr lang="zh-CN" altLang="en-US" sz="2000" dirty="0" smtClean="0"/>
+              <a:t>周期内，每个可运行的进程都应该运行至少一次</a:t>
+            </a:r>
+            <a:r>
+              <a:rPr lang="en-US" altLang="zh-CN" sz="2000" dirty="0" smtClean="0"/>
+              <a:t>(/proc/sys/kernel/</a:t>
+            </a:r>
+            <a:r>
+              <a:rPr lang="en-US" altLang="zh-CN" sz="2000" dirty="0" err="1" smtClean="0"/>
+              <a:t>sched_latency_ns</a:t>
+            </a:r>
+            <a:r>
+              <a:rPr lang="en-US" altLang="zh-CN" sz="2000" dirty="0" smtClean="0"/>
+              <a:t>)</a:t>
+            </a:r>
+            <a:r>
+              <a:rPr lang="zh-CN" altLang="en-US" sz="2000" dirty="0" smtClean="0"/>
+              <a:t>，默认为</a:t>
+            </a:r>
+            <a:r>
+              <a:rPr lang="en-US" altLang="zh-CN" sz="2000" dirty="0" smtClean="0"/>
+              <a:t>20</a:t>
+            </a:r>
+            <a:r>
+              <a:rPr lang="zh-CN" altLang="en-US" sz="2000" dirty="0" smtClean="0"/>
+              <a:t>毫秒。</a:t>
+            </a:r>
+            <a:r>
+              <a:rPr lang="en-US" altLang="zh-CN" sz="2000" dirty="0" err="1" smtClean="0"/>
+              <a:t>sched_min_granularity_ns</a:t>
+            </a:r>
+            <a:r>
+              <a:rPr lang="zh-CN" altLang="en-US" sz="2000" dirty="0" smtClean="0"/>
+              <a:t>控制最小调度间隔，默认为</a:t>
+            </a:r>
+            <a:r>
+              <a:rPr lang="en-US" altLang="zh-CN" sz="2000" dirty="0" smtClean="0"/>
+              <a:t>4</a:t>
+            </a:r>
+            <a:r>
+              <a:rPr lang="zh-CN" altLang="en-US" sz="2000" dirty="0" smtClean="0"/>
+              <a:t>毫秒，这个变量控制了进程至少运行多长时间才能够被重新调度。</a:t>
+            </a:r>
+            <a:r>
+              <a:rPr lang="en-US" altLang="zh-CN" sz="2000" dirty="0" err="1" smtClean="0"/>
+              <a:t>sched_nr_latency</a:t>
+            </a:r>
+            <a:r>
+              <a:rPr lang="zh-CN" altLang="en-US" sz="2000" dirty="0" smtClean="0"/>
+              <a:t>控制一个周期内处理的最大活动数目，如果进程数目超过</a:t>
+            </a:r>
+            <a:r>
+              <a:rPr lang="en-US" altLang="zh-CN" sz="2000" dirty="0" err="1" smtClean="0"/>
+              <a:t>sched_min_granularity_ns</a:t>
+            </a:r>
+            <a:r>
+              <a:rPr lang="zh-CN" altLang="en-US" sz="2000" dirty="0" smtClean="0"/>
+              <a:t>，则</a:t>
+            </a:r>
+            <a:r>
+              <a:rPr lang="en-US" altLang="zh-CN" sz="2000" dirty="0" err="1" smtClean="0"/>
+              <a:t>sysctl_sched_latency</a:t>
+            </a:r>
+            <a:r>
+              <a:rPr lang="zh-CN" altLang="en-US" sz="2000" dirty="0" smtClean="0"/>
+              <a:t>也成比例线性扩展。</a:t>
+            </a:r>
+            <a:r>
+              <a:rPr lang="en-US" altLang="zh-CN" sz="2000" dirty="0" smtClean="0"/>
+              <a:t> </a:t>
+            </a:r>
+            <a:r>
+              <a:rPr lang="en-US" altLang="zh-CN" sz="2000" dirty="0" err="1" smtClean="0"/>
+              <a:t>sysctl_sched_latency</a:t>
+            </a:r>
+            <a:r>
+              <a:rPr lang="en-US" altLang="zh-CN" sz="2000" dirty="0" smtClean="0"/>
+              <a:t> = </a:t>
+            </a:r>
+            <a:r>
+              <a:rPr lang="en-US" altLang="zh-CN" sz="2000" dirty="0" err="1" smtClean="0"/>
+              <a:t>sched_min_granularity_ns</a:t>
+            </a:r>
+            <a:r>
+              <a:rPr lang="en-US" altLang="zh-CN" sz="2000" dirty="0" smtClean="0"/>
+              <a:t> </a:t>
+            </a:r>
+            <a:r>
+              <a:rPr lang="zh-CN" altLang="en-US" sz="2000" dirty="0" smtClean="0"/>
+              <a:t>* </a:t>
+            </a:r>
+            <a:r>
+              <a:rPr lang="en-US" altLang="zh-CN" sz="2000" dirty="0" smtClean="0"/>
+              <a:t>(</a:t>
+            </a:r>
+            <a:r>
+              <a:rPr lang="en-US" altLang="zh-CN" sz="2000" dirty="0" err="1" smtClean="0"/>
+              <a:t>nr_running</a:t>
+            </a:r>
+            <a:r>
+              <a:rPr lang="en-US" altLang="zh-CN" sz="2000" dirty="0" smtClean="0"/>
+              <a:t>/</a:t>
+            </a:r>
+            <a:r>
+              <a:rPr lang="en-US" altLang="zh-CN" sz="2000" dirty="0" err="1" smtClean="0"/>
+              <a:t>sched_nr_latency</a:t>
+            </a:r>
+            <a:r>
+              <a:rPr lang="en-US" altLang="zh-CN" sz="2000" dirty="0" smtClean="0"/>
+              <a:t>)</a:t>
+            </a:r>
+            <a:r>
+              <a:rPr lang="zh-CN" altLang="en-US" sz="2000" dirty="0" smtClean="0"/>
+              <a:t>，</a:t>
+            </a:r>
+            <a:r>
+              <a:rPr lang="en-US" altLang="zh-CN" sz="2000" dirty="0" err="1" smtClean="0"/>
+              <a:t>nr_running</a:t>
+            </a:r>
+            <a:r>
+              <a:rPr lang="zh-CN" altLang="en-US" sz="2000" dirty="0" smtClean="0"/>
+              <a:t>是</a:t>
+            </a:r>
+            <a:r>
+              <a:rPr lang="en-US" altLang="zh-CN" sz="2000" dirty="0" smtClean="0"/>
+              <a:t>CFS</a:t>
+            </a:r>
+            <a:r>
+              <a:rPr lang="zh-CN" altLang="en-US" sz="2000" dirty="0" smtClean="0"/>
+              <a:t>就绪队列上的进程数目</a:t>
+            </a:r>
+            <a:endParaRPr lang="en-US" altLang="zh-CN" sz="2000" dirty="0" smtClean="0"/>
+          </a:p>
+          <a:p>
+            <a:pPr lvl="1"/>
+            <a:endParaRPr lang="en-US" altLang="zh-CN" sz="2000" dirty="0" smtClean="0"/>
+          </a:p>
+          <a:p>
+            <a:pPr lvl="1"/>
+            <a:endParaRPr lang="en-US" sz="2000" dirty="0"/>
+          </a:p>
+        </p:txBody>
+      </p:sp>
+    </p:spTree>
+  </p:cSld>
+  <p:clrMapOvr>
+    <a:masterClrMapping/>
+  </p:clrMapOvr>
+  <p:timing>
+    <p:tnLst>
+      <p:par>
+        <p:cTn id="1" dur="indefinite" restart="never" nodeType="tmRoot"/>
+      </p:par>
+    </p:tnLst>
+  </p:timing>
+</p:sld>
+</file>
+
+<file path=ppt/slides/slide63.xml><?xml version="1.0" encoding="utf-8"?>
+<p:sld xmlns:a="http://schemas.openxmlformats.org/drawingml/2006/main" xmlns:r="http://schemas.openxmlformats.org/officeDocument/2006/relationships" xmlns:p="http://schemas.openxmlformats.org/presentationml/2006/main">
+  <p:cSld>
+    <p:spTree>
+      <p:nvGrpSpPr>
+        <p:cNvPr id="1" name=""/>
+        <p:cNvGrpSpPr/>
+        <p:nvPr/>
+      </p:nvGrpSpPr>
+      <p:grpSpPr>
+        <a:xfrm>
+          <a:off x="0" y="0"/>
+          <a:ext cx="0" cy="0"/>
+          <a:chOff x="0" y="0"/>
+          <a:chExt cx="0" cy="0"/>
+        </a:xfrm>
+      </p:grpSpPr>
+      <p:sp>
+        <p:nvSpPr>
+          <p:cNvPr id="2" name="Title 1"/>
+          <p:cNvSpPr>
+            <a:spLocks noGrp="1"/>
+          </p:cNvSpPr>
+          <p:nvPr>
+            <p:ph type="title"/>
+          </p:nvPr>
+        </p:nvSpPr>
+        <p:spPr>
+          <a:xfrm>
+            <a:off x="457200" y="274638"/>
+            <a:ext cx="8229600" cy="868362"/>
+          </a:xfrm>
+        </p:spPr>
+        <p:txBody>
+          <a:bodyPr>
+            <a:normAutofit/>
+          </a:bodyPr>
+          <a:lstStyle/>
+          <a:p>
+            <a:r>
+              <a:rPr lang="zh-CN" altLang="en-US" sz="3200" dirty="0" smtClean="0"/>
+              <a:t>进程管理和调度</a:t>
+            </a:r>
+            <a:endParaRPr lang="en-US" sz="3200" dirty="0" smtClean="0"/>
+          </a:p>
+        </p:txBody>
+      </p:sp>
+      <p:sp>
+        <p:nvSpPr>
+          <p:cNvPr id="3" name="Content Placeholder 2"/>
+          <p:cNvSpPr>
+            <a:spLocks noGrp="1"/>
+          </p:cNvSpPr>
+          <p:nvPr>
+            <p:ph idx="1"/>
+          </p:nvPr>
+        </p:nvSpPr>
+        <p:spPr>
+          <a:xfrm>
+            <a:off x="457200" y="1143000"/>
+            <a:ext cx="8229600" cy="5562600"/>
+          </a:xfrm>
+        </p:spPr>
+        <p:txBody>
+          <a:bodyPr>
+            <a:normAutofit/>
+          </a:bodyPr>
+          <a:lstStyle/>
+          <a:p>
+            <a:pPr marL="342900" lvl="1" indent="-342900">
+              <a:buFont typeface="Arial" pitchFamily="34" charset="0"/>
+              <a:buChar char="•"/>
+            </a:pPr>
+            <a:r>
+              <a:rPr lang="en-US" sz="2400" dirty="0" smtClean="0"/>
+              <a:t>CFS (Completely Fair Scheduler)</a:t>
+            </a:r>
+            <a:endParaRPr lang="en-US" sz="2400" dirty="0" smtClean="0"/>
+          </a:p>
+          <a:p>
+            <a:pPr lvl="1"/>
+            <a:r>
+              <a:rPr lang="en-US" sz="2000" dirty="0" smtClean="0"/>
+              <a:t>Latency Tracking</a:t>
+            </a:r>
+            <a:endParaRPr lang="en-US" altLang="zh-CN" sz="2000" dirty="0" smtClean="0"/>
+          </a:p>
+          <a:p>
+            <a:pPr lvl="1"/>
+            <a:endParaRPr lang="en-US" altLang="zh-CN" sz="2000" dirty="0" smtClean="0"/>
+          </a:p>
+          <a:p>
+            <a:pPr lvl="1"/>
+            <a:endParaRPr lang="en-US" sz="2000" dirty="0"/>
+          </a:p>
+        </p:txBody>
+      </p:sp>
+      <p:pic>
+        <p:nvPicPr>
+          <p:cNvPr id="5122" name="Picture 2"/>
+          <p:cNvPicPr>
+            <a:picLocks noChangeAspect="1" noChangeArrowheads="1"/>
+          </p:cNvPicPr>
+          <p:nvPr/>
+        </p:nvPicPr>
+        <p:blipFill>
+          <a:blip r:embed="rId2" cstate="print"/>
+          <a:srcRect/>
+          <a:stretch>
+            <a:fillRect/>
+          </a:stretch>
+        </p:blipFill>
+        <p:spPr bwMode="auto">
+          <a:xfrm>
+            <a:off x="0" y="2200275"/>
+            <a:ext cx="9077325" cy="4657725"/>
+          </a:xfrm>
+          <a:prstGeom prst="rect">
+            <a:avLst/>
+          </a:prstGeom>
+          <a:noFill/>
+          <a:ln w="9525">
+            <a:noFill/>
+            <a:miter lim="800000"/>
+            <a:headEnd/>
+            <a:tailEnd/>
+          </a:ln>
+        </p:spPr>
+      </p:pic>
+    </p:spTree>
+  </p:cSld>
+  <p:clrMapOvr>
+    <a:masterClrMapping/>
+  </p:clrMapOvr>
+  <p:timing>
+    <p:tnLst>
+      <p:par>
+        <p:cTn id="1" dur="indefinite" restart="never" nodeType="tmRoot"/>
+      </p:par>
+    </p:tnLst>
+  </p:timing>
+</p:sld>
+</file>
+
+<file path=ppt/slides/slide64.xml><?xml version="1.0" encoding="utf-8"?>
+<p:sld xmlns:a="http://schemas.openxmlformats.org/drawingml/2006/main" xmlns:r="http://schemas.openxmlformats.org/officeDocument/2006/relationships" xmlns:p="http://schemas.openxmlformats.org/presentationml/2006/main">
+  <p:cSld>
+    <p:spTree>
+      <p:nvGrpSpPr>
+        <p:cNvPr id="1" name=""/>
+        <p:cNvGrpSpPr/>
+        <p:nvPr/>
+      </p:nvGrpSpPr>
+      <p:grpSpPr>
+        <a:xfrm>
+          <a:off x="0" y="0"/>
+          <a:ext cx="0" cy="0"/>
+          <a:chOff x="0" y="0"/>
+          <a:chExt cx="0" cy="0"/>
+        </a:xfrm>
+      </p:grpSpPr>
+      <p:sp>
+        <p:nvSpPr>
+          <p:cNvPr id="2" name="Title 1"/>
+          <p:cNvSpPr>
+            <a:spLocks noGrp="1"/>
+          </p:cNvSpPr>
+          <p:nvPr>
+            <p:ph type="title"/>
+          </p:nvPr>
+        </p:nvSpPr>
+        <p:spPr>
+          <a:xfrm>
+            <a:off x="457200" y="274638"/>
+            <a:ext cx="8229600" cy="868362"/>
+          </a:xfrm>
+        </p:spPr>
+        <p:txBody>
+          <a:bodyPr>
+            <a:normAutofit/>
+          </a:bodyPr>
+          <a:lstStyle/>
+          <a:p>
+            <a:r>
+              <a:rPr lang="zh-CN" altLang="en-US" sz="3200" dirty="0" smtClean="0"/>
+              <a:t>进程管理和调度</a:t>
+            </a:r>
+            <a:endParaRPr lang="en-US" sz="3200" dirty="0" smtClean="0"/>
+          </a:p>
+        </p:txBody>
+      </p:sp>
+      <p:sp>
+        <p:nvSpPr>
+          <p:cNvPr id="3" name="Content Placeholder 2"/>
+          <p:cNvSpPr>
+            <a:spLocks noGrp="1"/>
+          </p:cNvSpPr>
+          <p:nvPr>
+            <p:ph idx="1"/>
+          </p:nvPr>
+        </p:nvSpPr>
+        <p:spPr>
+          <a:xfrm>
+            <a:off x="457200" y="1143000"/>
+            <a:ext cx="8229600" cy="5562600"/>
+          </a:xfrm>
+        </p:spPr>
+        <p:txBody>
+          <a:bodyPr>
+            <a:normAutofit/>
+          </a:bodyPr>
+          <a:lstStyle/>
+          <a:p>
+            <a:pPr marL="342900" lvl="1" indent="-342900">
+              <a:buFont typeface="Arial" pitchFamily="34" charset="0"/>
+              <a:buChar char="•"/>
+            </a:pPr>
+            <a:r>
+              <a:rPr lang="en-US" sz="2400" dirty="0" smtClean="0"/>
+              <a:t>CFS (Completely Fair Scheduler)</a:t>
+            </a:r>
+            <a:endParaRPr lang="en-US" sz="2400" dirty="0" smtClean="0"/>
+          </a:p>
+          <a:p>
+            <a:pPr lvl="1"/>
+            <a:r>
+              <a:rPr lang="en-US" altLang="zh-CN" sz="2000" dirty="0" err="1" smtClean="0"/>
+              <a:t>enqueue_task_fair</a:t>
+            </a:r>
+            <a:endParaRPr lang="en-US" altLang="zh-CN" sz="2000" dirty="0" smtClean="0"/>
+          </a:p>
+          <a:p>
+            <a:pPr lvl="1"/>
+            <a:r>
+              <a:rPr lang="zh-CN" altLang="en-US" sz="2000" dirty="0" smtClean="0"/>
+              <a:t>如果进程最近在运行，其虚拟运行时间仍然有效直接调用</a:t>
+            </a:r>
+            <a:r>
+              <a:rPr lang="en-US" altLang="zh-CN" sz="2000" dirty="0" smtClean="0"/>
+              <a:t>__</a:t>
+            </a:r>
+            <a:r>
+              <a:rPr lang="en-US" altLang="zh-CN" sz="2000" dirty="0" err="1" smtClean="0"/>
+              <a:t>enqueue_entity</a:t>
+            </a:r>
+            <a:r>
+              <a:rPr lang="zh-CN" altLang="en-US" sz="2000" dirty="0" smtClean="0"/>
+              <a:t>加入红黑树</a:t>
+            </a:r>
+            <a:endParaRPr lang="en-US" altLang="zh-CN" sz="2000" dirty="0" smtClean="0"/>
+          </a:p>
+          <a:p>
+            <a:pPr lvl="1"/>
+            <a:r>
+              <a:rPr lang="zh-CN" altLang="en-US" sz="2000" dirty="0" smtClean="0"/>
+              <a:t>如</a:t>
+            </a:r>
+            <a:r>
+              <a:rPr lang="zh-CN" altLang="en-US" sz="2000" dirty="0" smtClean="0"/>
+              <a:t>果进程刚被唤醒，重新计算</a:t>
+            </a:r>
+            <a:r>
+              <a:rPr lang="en-US" altLang="zh-CN" sz="2000" dirty="0" err="1" smtClean="0"/>
+              <a:t>vruntime</a:t>
+            </a:r>
+            <a:r>
+              <a:rPr lang="zh-CN" altLang="en-US" sz="2000" dirty="0" smtClean="0"/>
+              <a:t>之后再加入红黑树</a:t>
+            </a:r>
+            <a:endParaRPr lang="en-US" altLang="zh-CN" sz="2000" dirty="0" smtClean="0"/>
+          </a:p>
+          <a:p>
+            <a:pPr lvl="1"/>
+            <a:endParaRPr lang="en-US" sz="2000" dirty="0"/>
+          </a:p>
+        </p:txBody>
+      </p:sp>
+      <p:pic>
+        <p:nvPicPr>
+          <p:cNvPr id="6146" name="Picture 2"/>
+          <p:cNvPicPr>
+            <a:picLocks noChangeAspect="1" noChangeArrowheads="1"/>
+          </p:cNvPicPr>
+          <p:nvPr/>
+        </p:nvPicPr>
+        <p:blipFill>
+          <a:blip r:embed="rId2" cstate="print"/>
+          <a:srcRect/>
+          <a:stretch>
+            <a:fillRect/>
+          </a:stretch>
+        </p:blipFill>
+        <p:spPr bwMode="auto">
+          <a:xfrm>
+            <a:off x="1524000" y="3124200"/>
+            <a:ext cx="5657850" cy="3219450"/>
+          </a:xfrm>
+          <a:prstGeom prst="rect">
+            <a:avLst/>
+          </a:prstGeom>
+          <a:noFill/>
+          <a:ln w="9525">
+            <a:noFill/>
+            <a:miter lim="800000"/>
+            <a:headEnd/>
+            <a:tailEnd/>
+          </a:ln>
+        </p:spPr>
+      </p:pic>
+    </p:spTree>
+  </p:cSld>
+  <p:clrMapOvr>
+    <a:masterClrMapping/>
+  </p:clrMapOvr>
+  <p:timing>
+    <p:tnLst>
+      <p:par>
+        <p:cTn id="1" dur="indefinite" restart="never" nodeType="tmRoot"/>
+      </p:par>
+    </p:tnLst>
+  </p:timing>
+</p:sld>
+</file>
+
+<file path=ppt/slides/slide65.xml><?xml version="1.0" encoding="utf-8"?>
+<p:sld xmlns:a="http://schemas.openxmlformats.org/drawingml/2006/main" xmlns:r="http://schemas.openxmlformats.org/officeDocument/2006/relationships" xmlns:p="http://schemas.openxmlformats.org/presentationml/2006/main">
+  <p:cSld>
+    <p:spTree>
+      <p:nvGrpSpPr>
+        <p:cNvPr id="1" name=""/>
+        <p:cNvGrpSpPr/>
+        <p:nvPr/>
+      </p:nvGrpSpPr>
+      <p:grpSpPr>
+        <a:xfrm>
+          <a:off x="0" y="0"/>
+          <a:ext cx="0" cy="0"/>
+          <a:chOff x="0" y="0"/>
+          <a:chExt cx="0" cy="0"/>
+        </a:xfrm>
+      </p:grpSpPr>
+      <p:sp>
+        <p:nvSpPr>
+          <p:cNvPr id="2" name="Title 1"/>
+          <p:cNvSpPr>
+            <a:spLocks noGrp="1"/>
+          </p:cNvSpPr>
+          <p:nvPr>
+            <p:ph type="title"/>
+          </p:nvPr>
+        </p:nvSpPr>
+        <p:spPr>
+          <a:xfrm>
+            <a:off x="457200" y="274638"/>
+            <a:ext cx="8229600" cy="868362"/>
+          </a:xfrm>
+        </p:spPr>
+        <p:txBody>
+          <a:bodyPr>
+            <a:normAutofit/>
+          </a:bodyPr>
+          <a:lstStyle/>
+          <a:p>
+            <a:r>
+              <a:rPr lang="zh-CN" altLang="en-US" sz="3200" dirty="0" smtClean="0"/>
+              <a:t>进程管理和调度</a:t>
+            </a:r>
+            <a:endParaRPr lang="en-US" sz="3200" dirty="0" smtClean="0"/>
+          </a:p>
+        </p:txBody>
+      </p:sp>
+      <p:sp>
+        <p:nvSpPr>
+          <p:cNvPr id="3" name="Content Placeholder 2"/>
+          <p:cNvSpPr>
+            <a:spLocks noGrp="1"/>
+          </p:cNvSpPr>
+          <p:nvPr>
+            <p:ph idx="1"/>
+          </p:nvPr>
+        </p:nvSpPr>
+        <p:spPr>
+          <a:xfrm>
+            <a:off x="457200" y="1143000"/>
+            <a:ext cx="8229600" cy="5562600"/>
+          </a:xfrm>
+        </p:spPr>
+        <p:txBody>
+          <a:bodyPr>
+            <a:normAutofit/>
+          </a:bodyPr>
+          <a:lstStyle/>
+          <a:p>
+            <a:pPr marL="342900" lvl="1" indent="-342900">
+              <a:buFont typeface="Arial" pitchFamily="34" charset="0"/>
+              <a:buChar char="•"/>
+            </a:pPr>
+            <a:r>
+              <a:rPr lang="en-US" sz="2400" dirty="0" smtClean="0"/>
+              <a:t>CFS (Completely Fair Scheduler)</a:t>
+            </a:r>
+            <a:endParaRPr lang="en-US" sz="2400" dirty="0" smtClean="0"/>
+          </a:p>
+          <a:p>
+            <a:pPr lvl="1"/>
+            <a:r>
+              <a:rPr lang="en-US" altLang="zh-CN" sz="2000" dirty="0" err="1" smtClean="0"/>
+              <a:t>enqueue_task_fair</a:t>
+            </a:r>
+            <a:r>
+              <a:rPr lang="en-US" altLang="zh-CN" sz="2000" dirty="0" smtClean="0"/>
+              <a:t>-&gt;</a:t>
+            </a:r>
+            <a:r>
+              <a:rPr lang="en-US" altLang="zh-CN" sz="2000" dirty="0" err="1" smtClean="0"/>
+              <a:t>place_entity</a:t>
+            </a:r>
+            <a:r>
+              <a:rPr lang="zh-CN" altLang="en-US" sz="2000" dirty="0" smtClean="0"/>
+              <a:t>计算</a:t>
+            </a:r>
+            <a:r>
+              <a:rPr lang="en-US" altLang="zh-CN" sz="2000" dirty="0" err="1" smtClean="0"/>
+              <a:t>vruntime</a:t>
+            </a:r>
+            <a:r>
+              <a:rPr lang="zh-CN" altLang="en-US" sz="2000" dirty="0" smtClean="0"/>
+              <a:t>。新加老进程到就队列，内核应确保队列上所有老的就绪进程在延迟周期内被执行</a:t>
+            </a:r>
+            <a:endParaRPr lang="en-US" altLang="zh-CN" sz="2000" dirty="0" smtClean="0"/>
+          </a:p>
+          <a:p>
+            <a:pPr lvl="1"/>
+            <a:endParaRPr lang="en-US" sz="2000" dirty="0"/>
+          </a:p>
+        </p:txBody>
+      </p:sp>
+      <p:pic>
+        <p:nvPicPr>
+          <p:cNvPr id="7170" name="Picture 2"/>
+          <p:cNvPicPr>
+            <a:picLocks noChangeAspect="1" noChangeArrowheads="1"/>
+          </p:cNvPicPr>
+          <p:nvPr/>
+        </p:nvPicPr>
+        <p:blipFill>
+          <a:blip r:embed="rId2" cstate="print"/>
+          <a:srcRect/>
+          <a:stretch>
+            <a:fillRect/>
+          </a:stretch>
+        </p:blipFill>
+        <p:spPr bwMode="auto">
+          <a:xfrm>
+            <a:off x="257175" y="2276475"/>
+            <a:ext cx="8886825" cy="4581525"/>
+          </a:xfrm>
+          <a:prstGeom prst="rect">
+            <a:avLst/>
+          </a:prstGeom>
+          <a:noFill/>
+          <a:ln w="9525">
+            <a:noFill/>
+            <a:miter lim="800000"/>
+            <a:headEnd/>
+            <a:tailEnd/>
+          </a:ln>
+        </p:spPr>
+      </p:pic>
+    </p:spTree>
+  </p:cSld>
+  <p:clrMapOvr>
+    <a:masterClrMapping/>
+  </p:clrMapOvr>
+  <p:timing>
+    <p:tnLst>
+      <p:par>
+        <p:cTn id="1" dur="indefinite" restart="never" nodeType="tmRoot"/>
+      </p:par>
+    </p:tnLst>
+  </p:timing>
+</p:sld>
+</file>
+
+<file path=ppt/slides/slide66.xml><?xml version="1.0" encoding="utf-8"?>
+<p:sld xmlns:a="http://schemas.openxmlformats.org/drawingml/2006/main" xmlns:r="http://schemas.openxmlformats.org/officeDocument/2006/relationships" xmlns:p="http://schemas.openxmlformats.org/presentationml/2006/main">
+  <p:cSld>
+    <p:spTree>
+      <p:nvGrpSpPr>
+        <p:cNvPr id="1" name=""/>
+        <p:cNvGrpSpPr/>
+        <p:nvPr/>
+      </p:nvGrpSpPr>
+      <p:grpSpPr>
+        <a:xfrm>
+          <a:off x="0" y="0"/>
+          <a:ext cx="0" cy="0"/>
+          <a:chOff x="0" y="0"/>
+          <a:chExt cx="0" cy="0"/>
+        </a:xfrm>
+      </p:grpSpPr>
+      <p:sp>
+        <p:nvSpPr>
+          <p:cNvPr id="2" name="Title 1"/>
+          <p:cNvSpPr>
+            <a:spLocks noGrp="1"/>
+          </p:cNvSpPr>
+          <p:nvPr>
+            <p:ph type="title"/>
+          </p:nvPr>
+        </p:nvSpPr>
+        <p:spPr>
+          <a:xfrm>
+            <a:off x="457200" y="274638"/>
+            <a:ext cx="8229600" cy="868362"/>
+          </a:xfrm>
+        </p:spPr>
+        <p:txBody>
+          <a:bodyPr>
+            <a:normAutofit/>
+          </a:bodyPr>
+          <a:lstStyle/>
+          <a:p>
+            <a:r>
+              <a:rPr lang="zh-CN" altLang="en-US" sz="3200" dirty="0" smtClean="0"/>
+              <a:t>进程管理和调度</a:t>
+            </a:r>
+            <a:endParaRPr lang="en-US" sz="3200" dirty="0" smtClean="0"/>
+          </a:p>
+        </p:txBody>
+      </p:sp>
+      <p:sp>
+        <p:nvSpPr>
+          <p:cNvPr id="3" name="Content Placeholder 2"/>
+          <p:cNvSpPr>
+            <a:spLocks noGrp="1"/>
+          </p:cNvSpPr>
+          <p:nvPr>
+            <p:ph idx="1"/>
+          </p:nvPr>
+        </p:nvSpPr>
+        <p:spPr>
+          <a:xfrm>
+            <a:off x="457200" y="1143000"/>
+            <a:ext cx="8229600" cy="5562600"/>
+          </a:xfrm>
+        </p:spPr>
+        <p:txBody>
+          <a:bodyPr>
+            <a:normAutofit/>
+          </a:bodyPr>
+          <a:lstStyle/>
+          <a:p>
+            <a:pPr marL="342900" lvl="1" indent="-342900">
+              <a:buFont typeface="Arial" pitchFamily="34" charset="0"/>
+              <a:buChar char="•"/>
+            </a:pPr>
+            <a:r>
+              <a:rPr lang="en-US" sz="2400" dirty="0" smtClean="0"/>
+              <a:t>CFS (Completely Fair Scheduler)</a:t>
+            </a:r>
+            <a:endParaRPr lang="en-US" sz="2400" dirty="0" smtClean="0"/>
+          </a:p>
+          <a:p>
+            <a:pPr lvl="1"/>
+            <a:r>
+              <a:rPr lang="en-US" altLang="zh-CN" sz="2000" dirty="0" err="1" smtClean="0"/>
+              <a:t>pick_next_task_fair</a:t>
+            </a:r>
+            <a:endParaRPr lang="en-US" altLang="zh-CN" sz="2000" dirty="0" smtClean="0"/>
+          </a:p>
+          <a:p>
+            <a:pPr lvl="1"/>
+            <a:endParaRPr lang="en-US" sz="2000" dirty="0"/>
+          </a:p>
+        </p:txBody>
+      </p:sp>
+      <p:pic>
+        <p:nvPicPr>
+          <p:cNvPr id="8194" name="Picture 2"/>
+          <p:cNvPicPr>
+            <a:picLocks noChangeAspect="1" noChangeArrowheads="1"/>
+          </p:cNvPicPr>
+          <p:nvPr/>
+        </p:nvPicPr>
+        <p:blipFill>
+          <a:blip r:embed="rId2" cstate="print"/>
+          <a:srcRect/>
+          <a:stretch>
+            <a:fillRect/>
+          </a:stretch>
+        </p:blipFill>
+        <p:spPr bwMode="auto">
+          <a:xfrm>
+            <a:off x="1295400" y="1981200"/>
+            <a:ext cx="5629275" cy="2400300"/>
+          </a:xfrm>
+          <a:prstGeom prst="rect">
+            <a:avLst/>
+          </a:prstGeom>
+          <a:noFill/>
+          <a:ln w="9525">
+            <a:noFill/>
+            <a:miter lim="800000"/>
+            <a:headEnd/>
+            <a:tailEnd/>
+          </a:ln>
+        </p:spPr>
+      </p:pic>
+      <p:pic>
+        <p:nvPicPr>
+          <p:cNvPr id="8197" name="Picture 5"/>
+          <p:cNvPicPr>
+            <a:picLocks noChangeAspect="1" noChangeArrowheads="1"/>
+          </p:cNvPicPr>
+          <p:nvPr/>
+        </p:nvPicPr>
+        <p:blipFill>
+          <a:blip r:embed="rId3" cstate="print"/>
+          <a:srcRect/>
+          <a:stretch>
+            <a:fillRect/>
+          </a:stretch>
+        </p:blipFill>
+        <p:spPr bwMode="auto">
+          <a:xfrm>
+            <a:off x="1143000" y="4419600"/>
+            <a:ext cx="6438900" cy="2438400"/>
+          </a:xfrm>
+          <a:prstGeom prst="rect">
+            <a:avLst/>
+          </a:prstGeom>
+          <a:noFill/>
+          <a:ln w="9525">
+            <a:noFill/>
+            <a:miter lim="800000"/>
+            <a:headEnd/>
+            <a:tailEnd/>
+          </a:ln>
+        </p:spPr>
+      </p:pic>
+    </p:spTree>
+  </p:cSld>
+  <p:clrMapOvr>
+    <a:masterClrMapping/>
+  </p:clrMapOvr>
+  <p:timing>
+    <p:tnLst>
+      <p:par>
+        <p:cTn id="1" dur="indefinite" restart="never" nodeType="tmRoot"/>
+      </p:par>
+    </p:tnLst>
+  </p:timing>
+</p:sld>
+</file>
+
+<file path=ppt/slides/slide67.xml><?xml version="1.0" encoding="utf-8"?>
+<p:sld xmlns:a="http://schemas.openxmlformats.org/drawingml/2006/main" xmlns:r="http://schemas.openxmlformats.org/officeDocument/2006/relationships" xmlns:p="http://schemas.openxmlformats.org/presentationml/2006/main">
+  <p:cSld>
+    <p:spTree>
+      <p:nvGrpSpPr>
+        <p:cNvPr id="1" name=""/>
+        <p:cNvGrpSpPr/>
+        <p:nvPr/>
+      </p:nvGrpSpPr>
+      <p:grpSpPr>
+        <a:xfrm>
+          <a:off x="0" y="0"/>
+          <a:ext cx="0" cy="0"/>
+          <a:chOff x="0" y="0"/>
+          <a:chExt cx="0" cy="0"/>
+        </a:xfrm>
+      </p:grpSpPr>
+      <p:sp>
+        <p:nvSpPr>
+          <p:cNvPr id="2" name="Title 1"/>
+          <p:cNvSpPr>
+            <a:spLocks noGrp="1"/>
+          </p:cNvSpPr>
+          <p:nvPr>
+            <p:ph type="title"/>
+          </p:nvPr>
+        </p:nvSpPr>
+        <p:spPr>
+          <a:xfrm>
+            <a:off x="457200" y="274638"/>
+            <a:ext cx="8229600" cy="868362"/>
+          </a:xfrm>
+        </p:spPr>
+        <p:txBody>
+          <a:bodyPr>
+            <a:normAutofit/>
+          </a:bodyPr>
+          <a:lstStyle/>
+          <a:p>
+            <a:r>
+              <a:rPr lang="zh-CN" altLang="en-US" sz="3200" dirty="0" smtClean="0"/>
+              <a:t>进程管理和调度</a:t>
+            </a:r>
+            <a:endParaRPr lang="en-US" sz="3200" dirty="0" smtClean="0"/>
+          </a:p>
+        </p:txBody>
+      </p:sp>
+      <p:sp>
+        <p:nvSpPr>
+          <p:cNvPr id="3" name="Content Placeholder 2"/>
+          <p:cNvSpPr>
+            <a:spLocks noGrp="1"/>
+          </p:cNvSpPr>
+          <p:nvPr>
+            <p:ph idx="1"/>
+          </p:nvPr>
+        </p:nvSpPr>
+        <p:spPr>
+          <a:xfrm>
+            <a:off x="457200" y="1143000"/>
+            <a:ext cx="8229600" cy="5562600"/>
+          </a:xfrm>
+        </p:spPr>
+        <p:txBody>
+          <a:bodyPr>
+            <a:normAutofit/>
+          </a:bodyPr>
+          <a:lstStyle/>
+          <a:p>
+            <a:pPr marL="342900" lvl="1" indent="-342900">
+              <a:buFont typeface="Arial" pitchFamily="34" charset="0"/>
+              <a:buChar char="•"/>
+            </a:pPr>
+            <a:r>
+              <a:rPr lang="en-US" sz="2400" dirty="0" smtClean="0"/>
+              <a:t>CFS (Completely Fair Scheduler)</a:t>
+            </a:r>
+            <a:endParaRPr lang="en-US" sz="2400" dirty="0" smtClean="0"/>
+          </a:p>
+          <a:p>
+            <a:pPr lvl="1"/>
+            <a:r>
+              <a:rPr lang="en-US" sz="2000" dirty="0" smtClean="0"/>
+              <a:t>Handling the Periodic Tick</a:t>
+            </a:r>
+            <a:endParaRPr lang="en-US" altLang="zh-CN" sz="2000" dirty="0" smtClean="0"/>
+          </a:p>
+          <a:p>
+            <a:pPr lvl="1"/>
+            <a:endParaRPr lang="en-US" sz="2000" dirty="0"/>
+          </a:p>
+        </p:txBody>
+      </p:sp>
+      <p:pic>
+        <p:nvPicPr>
+          <p:cNvPr id="9218" name="Picture 2"/>
+          <p:cNvPicPr>
+            <a:picLocks noChangeAspect="1" noChangeArrowheads="1"/>
+          </p:cNvPicPr>
+          <p:nvPr/>
+        </p:nvPicPr>
+        <p:blipFill>
+          <a:blip r:embed="rId2" cstate="print"/>
+          <a:srcRect/>
+          <a:stretch>
+            <a:fillRect/>
+          </a:stretch>
+        </p:blipFill>
+        <p:spPr bwMode="auto">
+          <a:xfrm>
+            <a:off x="1219200" y="1905000"/>
+            <a:ext cx="5657850" cy="2409825"/>
+          </a:xfrm>
+          <a:prstGeom prst="rect">
+            <a:avLst/>
+          </a:prstGeom>
+          <a:noFill/>
+          <a:ln w="9525">
+            <a:noFill/>
+            <a:miter lim="800000"/>
+            <a:headEnd/>
+            <a:tailEnd/>
+          </a:ln>
+        </p:spPr>
+      </p:pic>
+      <p:pic>
+        <p:nvPicPr>
+          <p:cNvPr id="9219" name="Picture 3"/>
+          <p:cNvPicPr>
+            <a:picLocks noChangeAspect="1" noChangeArrowheads="1"/>
+          </p:cNvPicPr>
+          <p:nvPr/>
+        </p:nvPicPr>
+        <p:blipFill>
+          <a:blip r:embed="rId3" cstate="print"/>
+          <a:srcRect/>
+          <a:stretch>
+            <a:fillRect/>
+          </a:stretch>
+        </p:blipFill>
+        <p:spPr bwMode="auto">
+          <a:xfrm>
+            <a:off x="1219200" y="4343400"/>
+            <a:ext cx="6534150" cy="2790825"/>
+          </a:xfrm>
+          <a:prstGeom prst="rect">
+            <a:avLst/>
+          </a:prstGeom>
+          <a:noFill/>
+          <a:ln w="9525">
+            <a:noFill/>
+            <a:miter lim="800000"/>
+            <a:headEnd/>
+            <a:tailEnd/>
+          </a:ln>
+        </p:spPr>
+      </p:pic>
+    </p:spTree>
+  </p:cSld>
+  <p:clrMapOvr>
+    <a:masterClrMapping/>
+  </p:clrMapOvr>
+  <p:timing>
+    <p:tnLst>
+      <p:par>
+        <p:cTn id="1" dur="indefinite" restart="never" nodeType="tmRoot"/>
+      </p:par>
+    </p:tnLst>
+  </p:timing>
+</p:sld>
+</file>
+
+<file path=ppt/slides/slide68.xml><?xml version="1.0" encoding="utf-8"?>
+<p:sld xmlns:a="http://schemas.openxmlformats.org/drawingml/2006/main" xmlns:r="http://schemas.openxmlformats.org/officeDocument/2006/relationships" xmlns:p="http://schemas.openxmlformats.org/presentationml/2006/main">
+  <p:cSld>
+    <p:spTree>
+      <p:nvGrpSpPr>
+        <p:cNvPr id="1" name=""/>
+        <p:cNvGrpSpPr/>
+        <p:nvPr/>
+      </p:nvGrpSpPr>
+      <p:grpSpPr>
+        <a:xfrm>
+          <a:off x="0" y="0"/>
+          <a:ext cx="0" cy="0"/>
+          <a:chOff x="0" y="0"/>
+          <a:chExt cx="0" cy="0"/>
+        </a:xfrm>
+      </p:grpSpPr>
+      <p:sp>
+        <p:nvSpPr>
+          <p:cNvPr id="2" name="Title 1"/>
+          <p:cNvSpPr>
+            <a:spLocks noGrp="1"/>
+          </p:cNvSpPr>
+          <p:nvPr>
+            <p:ph type="title"/>
+          </p:nvPr>
+        </p:nvSpPr>
+        <p:spPr>
+          <a:xfrm>
+            <a:off x="457200" y="274638"/>
+            <a:ext cx="8229600" cy="868362"/>
+          </a:xfrm>
+        </p:spPr>
+        <p:txBody>
+          <a:bodyPr>
+            <a:normAutofit/>
+          </a:bodyPr>
+          <a:lstStyle/>
+          <a:p>
+            <a:r>
+              <a:rPr lang="zh-CN" altLang="en-US" sz="3200" dirty="0" smtClean="0"/>
+              <a:t>进程管理和调度</a:t>
+            </a:r>
+            <a:endParaRPr lang="en-US" sz="3200" dirty="0" smtClean="0"/>
+          </a:p>
+        </p:txBody>
+      </p:sp>
+      <p:sp>
+        <p:nvSpPr>
+          <p:cNvPr id="3" name="Content Placeholder 2"/>
+          <p:cNvSpPr>
+            <a:spLocks noGrp="1"/>
+          </p:cNvSpPr>
+          <p:nvPr>
+            <p:ph idx="1"/>
+          </p:nvPr>
+        </p:nvSpPr>
+        <p:spPr>
+          <a:xfrm>
+            <a:off x="457200" y="1143000"/>
+            <a:ext cx="8229600" cy="5562600"/>
+          </a:xfrm>
+        </p:spPr>
+        <p:txBody>
+          <a:bodyPr>
+            <a:normAutofit/>
+          </a:bodyPr>
+          <a:lstStyle/>
+          <a:p>
+            <a:pPr marL="342900" lvl="1" indent="-342900">
+              <a:buFont typeface="Arial" pitchFamily="34" charset="0"/>
+              <a:buChar char="•"/>
+            </a:pPr>
+            <a:r>
+              <a:rPr lang="en-US" sz="2400" dirty="0" smtClean="0"/>
+              <a:t>CFS (Completely Fair Scheduler)</a:t>
+            </a:r>
+            <a:endParaRPr lang="en-US" sz="2400" dirty="0" smtClean="0"/>
+          </a:p>
+          <a:p>
+            <a:pPr lvl="1"/>
+            <a:r>
+              <a:rPr lang="en-US" sz="2000" dirty="0" smtClean="0"/>
+              <a:t>Wake-up </a:t>
+            </a:r>
+            <a:r>
+              <a:rPr lang="en-US" sz="2000" dirty="0" smtClean="0"/>
+              <a:t>Preemptio</a:t>
+            </a:r>
+            <a:r>
+              <a:rPr lang="en-US" altLang="zh-CN" sz="2000" dirty="0" smtClean="0"/>
+              <a:t>n </a:t>
+            </a:r>
+            <a:r>
+              <a:rPr lang="zh-CN" altLang="en-US" sz="2000" dirty="0" smtClean="0"/>
+              <a:t>当在</a:t>
+            </a:r>
+            <a:r>
+              <a:rPr lang="en-US" sz="2000" dirty="0" err="1" smtClean="0"/>
+              <a:t>try_to_wake_up</a:t>
+            </a:r>
+            <a:r>
+              <a:rPr lang="zh-CN" altLang="en-US" sz="2000" dirty="0" smtClean="0"/>
+              <a:t>和</a:t>
+            </a:r>
+            <a:r>
+              <a:rPr lang="en-US" sz="2000" dirty="0" err="1" smtClean="0"/>
+              <a:t>wake_up_new_task</a:t>
+            </a:r>
+            <a:r>
+              <a:rPr lang="zh-CN" altLang="en-US" sz="2000" dirty="0" smtClean="0"/>
+              <a:t>唤醒时，内核使用</a:t>
+            </a:r>
+            <a:r>
+              <a:rPr lang="en-US" altLang="zh-CN" sz="2000" dirty="0" err="1" smtClean="0"/>
+              <a:t>check_preempt_curr</a:t>
+            </a:r>
+            <a:r>
+              <a:rPr lang="zh-CN" altLang="en-US" sz="2000" dirty="0" smtClean="0"/>
+              <a:t>看是否新进程可以抢占当前运行的进程</a:t>
+            </a:r>
+            <a:endParaRPr lang="en-US" sz="2000" dirty="0"/>
+          </a:p>
+        </p:txBody>
+      </p:sp>
+      <p:pic>
+        <p:nvPicPr>
+          <p:cNvPr id="10243" name="Picture 3"/>
+          <p:cNvPicPr>
+            <a:picLocks noChangeAspect="1" noChangeArrowheads="1"/>
+          </p:cNvPicPr>
+          <p:nvPr/>
+        </p:nvPicPr>
+        <p:blipFill>
+          <a:blip r:embed="rId2" cstate="print"/>
+          <a:srcRect/>
+          <a:stretch>
+            <a:fillRect/>
+          </a:stretch>
+        </p:blipFill>
+        <p:spPr bwMode="auto">
+          <a:xfrm>
+            <a:off x="1219200" y="2590800"/>
+            <a:ext cx="7448550" cy="5191125"/>
+          </a:xfrm>
+          <a:prstGeom prst="rect">
+            <a:avLst/>
+          </a:prstGeom>
+          <a:noFill/>
+          <a:ln w="9525">
+            <a:noFill/>
+            <a:miter lim="800000"/>
+            <a:headEnd/>
+            <a:tailEnd/>
+          </a:ln>
+        </p:spPr>
+      </p:pic>
+    </p:spTree>
+  </p:cSld>
+  <p:clrMapOvr>
+    <a:masterClrMapping/>
+  </p:clrMapOvr>
+  <p:timing>
+    <p:tnLst>
+      <p:par>
+        <p:cTn id="1" dur="indefinite" restart="never" nodeType="tmRoot"/>
+      </p:par>
+    </p:tnLst>
+  </p:timing>
+</p:sld>
+</file>
+
+<file path=ppt/slides/slide69.xml><?xml version="1.0" encoding="utf-8"?>
+<p:sld xmlns:a="http://schemas.openxmlformats.org/drawingml/2006/main" xmlns:r="http://schemas.openxmlformats.org/officeDocument/2006/relationships" xmlns:p="http://schemas.openxmlformats.org/presentationml/2006/main">
+  <p:cSld>
+    <p:spTree>
+      <p:nvGrpSpPr>
+        <p:cNvPr id="1" name=""/>
+        <p:cNvGrpSpPr/>
+        <p:nvPr/>
+      </p:nvGrpSpPr>
+      <p:grpSpPr>
+        <a:xfrm>
+          <a:off x="0" y="0"/>
+          <a:ext cx="0" cy="0"/>
+          <a:chOff x="0" y="0"/>
+          <a:chExt cx="0" cy="0"/>
+        </a:xfrm>
+      </p:grpSpPr>
+      <p:sp>
+        <p:nvSpPr>
+          <p:cNvPr id="2" name="Title 1"/>
+          <p:cNvSpPr>
+            <a:spLocks noGrp="1"/>
+          </p:cNvSpPr>
+          <p:nvPr>
+            <p:ph type="title"/>
+          </p:nvPr>
+        </p:nvSpPr>
+        <p:spPr>
+          <a:xfrm>
+            <a:off x="457200" y="274638"/>
+            <a:ext cx="8229600" cy="868362"/>
+          </a:xfrm>
+        </p:spPr>
+        <p:txBody>
+          <a:bodyPr>
+            <a:normAutofit/>
+          </a:bodyPr>
+          <a:lstStyle/>
+          <a:p>
+            <a:r>
+              <a:rPr lang="zh-CN" altLang="en-US" sz="3200" dirty="0" smtClean="0"/>
+              <a:t>进程管理和调度</a:t>
+            </a:r>
+            <a:endParaRPr lang="en-US" sz="3200" dirty="0" smtClean="0"/>
+          </a:p>
+        </p:txBody>
+      </p:sp>
+      <p:sp>
+        <p:nvSpPr>
+          <p:cNvPr id="3" name="Content Placeholder 2"/>
+          <p:cNvSpPr>
+            <a:spLocks noGrp="1"/>
+          </p:cNvSpPr>
+          <p:nvPr>
+            <p:ph idx="1"/>
+          </p:nvPr>
+        </p:nvSpPr>
+        <p:spPr>
+          <a:xfrm>
+            <a:off x="457200" y="1143000"/>
+            <a:ext cx="8229600" cy="5562600"/>
+          </a:xfrm>
+        </p:spPr>
+        <p:txBody>
+          <a:bodyPr>
+            <a:normAutofit/>
+          </a:bodyPr>
+          <a:lstStyle/>
+          <a:p>
+            <a:pPr marL="342900" lvl="1" indent="-342900">
+              <a:buFont typeface="Arial" pitchFamily="34" charset="0"/>
+              <a:buChar char="•"/>
+            </a:pPr>
+            <a:r>
+              <a:rPr lang="en-US" sz="2400" dirty="0" smtClean="0"/>
+              <a:t>CFS (Completely Fair Scheduler)</a:t>
+            </a:r>
+            <a:endParaRPr lang="en-US" sz="2400" dirty="0" smtClean="0"/>
+          </a:p>
+          <a:p>
+            <a:pPr lvl="1"/>
+            <a:r>
+              <a:rPr lang="en-US" sz="2000" dirty="0" smtClean="0"/>
+              <a:t>Handling New </a:t>
+            </a:r>
+            <a:r>
+              <a:rPr lang="en-US" sz="2000" dirty="0" smtClean="0"/>
+              <a:t>Tasks</a:t>
+            </a:r>
+          </a:p>
+          <a:p>
+            <a:pPr lvl="1"/>
+            <a:r>
+              <a:rPr lang="en-US" sz="2000" dirty="0" err="1" smtClean="0"/>
+              <a:t>resched_task</a:t>
+            </a:r>
+            <a:r>
+              <a:rPr lang="en-US" sz="2000" dirty="0" smtClean="0"/>
+              <a:t> </a:t>
+            </a:r>
+            <a:r>
+              <a:rPr lang="en-US" sz="2000" dirty="0" smtClean="0"/>
+              <a:t>usually</a:t>
+            </a:r>
+            <a:r>
+              <a:rPr lang="en-US" sz="2000" dirty="0" smtClean="0"/>
+              <a:t> </a:t>
+            </a:r>
+            <a:r>
+              <a:rPr lang="en-US" sz="2000" dirty="0" smtClean="0"/>
+              <a:t>just </a:t>
+            </a:r>
+            <a:r>
+              <a:rPr lang="en-US" sz="2000" dirty="0" smtClean="0"/>
+              <a:t>set </a:t>
+            </a:r>
+            <a:r>
+              <a:rPr lang="en-US" sz="2000" dirty="0" smtClean="0"/>
+              <a:t>the </a:t>
+            </a:r>
+            <a:r>
+              <a:rPr lang="en-US" sz="2000" dirty="0" smtClean="0"/>
+              <a:t>TIF_NEED_RESCHED flag</a:t>
+            </a:r>
+            <a:endParaRPr lang="en-US" sz="2000" dirty="0"/>
+          </a:p>
+        </p:txBody>
+      </p:sp>
+      <p:pic>
+        <p:nvPicPr>
+          <p:cNvPr id="11266" name="Picture 2"/>
+          <p:cNvPicPr>
+            <a:picLocks noChangeAspect="1" noChangeArrowheads="1"/>
+          </p:cNvPicPr>
+          <p:nvPr/>
+        </p:nvPicPr>
+        <p:blipFill>
+          <a:blip r:embed="rId2" cstate="print"/>
+          <a:srcRect/>
+          <a:stretch>
+            <a:fillRect/>
+          </a:stretch>
+        </p:blipFill>
+        <p:spPr bwMode="auto">
+          <a:xfrm>
+            <a:off x="990600" y="2514600"/>
+            <a:ext cx="7305675" cy="3409950"/>
+          </a:xfrm>
+          <a:prstGeom prst="rect">
+            <a:avLst/>
+          </a:prstGeom>
+          <a:noFill/>
+          <a:ln w="9525">
+            <a:noFill/>
+            <a:miter lim="800000"/>
+            <a:headEnd/>
+            <a:tailEnd/>
+          </a:ln>
+        </p:spPr>
+      </p:pic>
+    </p:spTree>
+  </p:cSld>
+  <p:clrMapOvr>
+    <a:masterClrMapping/>
+  </p:clrMapOvr>
+  <p:timing>
+    <p:tnLst>
+      <p:par>
+        <p:cTn id="1" dur="indefinite" restart="never" nodeType="tmRoot"/>
+      </p:par>
+    </p:tnLst>
+  </p:timing>
+</p:sld>
+</file>
+
 <file path=ppt/slides/slide7.xml><?xml version="1.0" encoding="utf-8"?>
 <p:sld xmlns:a="http://schemas.openxmlformats.org/drawingml/2006/main" xmlns:r="http://schemas.openxmlformats.org/officeDocument/2006/relationships" xmlns:p="http://schemas.openxmlformats.org/presentationml/2006/main">
   <p:cSld>
@@ -16114,6 +18654,106 @@
           </a:ln>
         </p:spPr>
       </p:pic>
+    </p:spTree>
+  </p:cSld>
+  <p:clrMapOvr>
+    <a:masterClrMapping/>
+  </p:clrMapOvr>
+  <p:timing>
+    <p:tnLst>
+      <p:par>
+        <p:cTn id="1" dur="indefinite" restart="never" nodeType="tmRoot"/>
+      </p:par>
+    </p:tnLst>
+  </p:timing>
+</p:sld>
+</file>
+
+<file path=ppt/slides/slide70.xml><?xml version="1.0" encoding="utf-8"?>
+<p:sld xmlns:a="http://schemas.openxmlformats.org/drawingml/2006/main" xmlns:r="http://schemas.openxmlformats.org/officeDocument/2006/relationships" xmlns:p="http://schemas.openxmlformats.org/presentationml/2006/main">
+  <p:cSld>
+    <p:spTree>
+      <p:nvGrpSpPr>
+        <p:cNvPr id="1" name=""/>
+        <p:cNvGrpSpPr/>
+        <p:nvPr/>
+      </p:nvGrpSpPr>
+      <p:grpSpPr>
+        <a:xfrm>
+          <a:off x="0" y="0"/>
+          <a:ext cx="0" cy="0"/>
+          <a:chOff x="0" y="0"/>
+          <a:chExt cx="0" cy="0"/>
+        </a:xfrm>
+      </p:grpSpPr>
+      <p:sp>
+        <p:nvSpPr>
+          <p:cNvPr id="2" name="Title 1"/>
+          <p:cNvSpPr>
+            <a:spLocks noGrp="1"/>
+          </p:cNvSpPr>
+          <p:nvPr>
+            <p:ph type="title"/>
+          </p:nvPr>
+        </p:nvSpPr>
+        <p:spPr>
+          <a:xfrm>
+            <a:off x="457200" y="274638"/>
+            <a:ext cx="8229600" cy="868362"/>
+          </a:xfrm>
+        </p:spPr>
+        <p:txBody>
+          <a:bodyPr>
+            <a:normAutofit/>
+          </a:bodyPr>
+          <a:lstStyle/>
+          <a:p>
+            <a:r>
+              <a:rPr lang="zh-CN" altLang="en-US" sz="3200" dirty="0" smtClean="0"/>
+              <a:t>进程管理和调度</a:t>
+            </a:r>
+            <a:endParaRPr lang="en-US" sz="3200" dirty="0" smtClean="0"/>
+          </a:p>
+        </p:txBody>
+      </p:sp>
+      <p:sp>
+        <p:nvSpPr>
+          <p:cNvPr id="3" name="Content Placeholder 2"/>
+          <p:cNvSpPr>
+            <a:spLocks noGrp="1"/>
+          </p:cNvSpPr>
+          <p:nvPr>
+            <p:ph idx="1"/>
+          </p:nvPr>
+        </p:nvSpPr>
+        <p:spPr>
+          <a:xfrm>
+            <a:off x="457200" y="1143000"/>
+            <a:ext cx="8229600" cy="5562600"/>
+          </a:xfrm>
+        </p:spPr>
+        <p:txBody>
+          <a:bodyPr>
+            <a:normAutofit/>
+          </a:bodyPr>
+          <a:lstStyle/>
+          <a:p>
+            <a:pPr marL="342900" lvl="1" indent="-342900">
+              <a:buFont typeface="Arial" pitchFamily="34" charset="0"/>
+              <a:buChar char="•"/>
+            </a:pPr>
+            <a:r>
+              <a:rPr lang="en-US" sz="2400" dirty="0" smtClean="0"/>
+              <a:t>The Real-Time Scheduling Class</a:t>
+            </a:r>
+            <a:endParaRPr lang="en-US" sz="2400" dirty="0" smtClean="0"/>
+          </a:p>
+          <a:p>
+            <a:pPr lvl="1"/>
+            <a:endParaRPr lang="en-US" sz="2000" dirty="0"/>
+          </a:p>
+        </p:txBody>
+      </p:sp>
     </p:spTree>
   </p:cSld>
   <p:clrMapOvr>
